--- a/man/figures/logo.pptx
+++ b/man/figures/logo.pptx
@@ -243,7 +243,7 @@
           <a:p>
             <a:fld id="{8AA7341E-E8D5-574D-9C77-42D65F8270B5}" type="datetimeFigureOut">
               <a:rPr lang="en-US" smtClean="0"/>
-              <a:t>Feb 17</a:t>
+              <a:t>Feb 25</a:t>
             </a:fld>
             <a:endParaRPr lang="en-US"/>
           </a:p>
@@ -413,7 +413,7 @@
           <a:p>
             <a:fld id="{8AA7341E-E8D5-574D-9C77-42D65F8270B5}" type="datetimeFigureOut">
               <a:rPr lang="en-US" smtClean="0"/>
-              <a:t>Feb 17</a:t>
+              <a:t>Feb 25</a:t>
             </a:fld>
             <a:endParaRPr lang="en-US"/>
           </a:p>
@@ -593,7 +593,7 @@
           <a:p>
             <a:fld id="{8AA7341E-E8D5-574D-9C77-42D65F8270B5}" type="datetimeFigureOut">
               <a:rPr lang="en-US" smtClean="0"/>
-              <a:t>Feb 17</a:t>
+              <a:t>Feb 25</a:t>
             </a:fld>
             <a:endParaRPr lang="en-US"/>
           </a:p>
@@ -763,7 +763,7 @@
           <a:p>
             <a:fld id="{8AA7341E-E8D5-574D-9C77-42D65F8270B5}" type="datetimeFigureOut">
               <a:rPr lang="en-US" smtClean="0"/>
-              <a:t>Feb 17</a:t>
+              <a:t>Feb 25</a:t>
             </a:fld>
             <a:endParaRPr lang="en-US"/>
           </a:p>
@@ -1007,7 +1007,7 @@
           <a:p>
             <a:fld id="{8AA7341E-E8D5-574D-9C77-42D65F8270B5}" type="datetimeFigureOut">
               <a:rPr lang="en-US" smtClean="0"/>
-              <a:t>Feb 17</a:t>
+              <a:t>Feb 25</a:t>
             </a:fld>
             <a:endParaRPr lang="en-US"/>
           </a:p>
@@ -1239,7 +1239,7 @@
           <a:p>
             <a:fld id="{8AA7341E-E8D5-574D-9C77-42D65F8270B5}" type="datetimeFigureOut">
               <a:rPr lang="en-US" smtClean="0"/>
-              <a:t>Feb 17</a:t>
+              <a:t>Feb 25</a:t>
             </a:fld>
             <a:endParaRPr lang="en-US"/>
           </a:p>
@@ -1606,7 +1606,7 @@
           <a:p>
             <a:fld id="{8AA7341E-E8D5-574D-9C77-42D65F8270B5}" type="datetimeFigureOut">
               <a:rPr lang="en-US" smtClean="0"/>
-              <a:t>Feb 17</a:t>
+              <a:t>Feb 25</a:t>
             </a:fld>
             <a:endParaRPr lang="en-US"/>
           </a:p>
@@ -1724,7 +1724,7 @@
           <a:p>
             <a:fld id="{8AA7341E-E8D5-574D-9C77-42D65F8270B5}" type="datetimeFigureOut">
               <a:rPr lang="en-US" smtClean="0"/>
-              <a:t>Feb 17</a:t>
+              <a:t>Feb 25</a:t>
             </a:fld>
             <a:endParaRPr lang="en-US"/>
           </a:p>
@@ -1819,7 +1819,7 @@
           <a:p>
             <a:fld id="{8AA7341E-E8D5-574D-9C77-42D65F8270B5}" type="datetimeFigureOut">
               <a:rPr lang="en-US" smtClean="0"/>
-              <a:t>Feb 17</a:t>
+              <a:t>Feb 25</a:t>
             </a:fld>
             <a:endParaRPr lang="en-US"/>
           </a:p>
@@ -2096,7 +2096,7 @@
           <a:p>
             <a:fld id="{8AA7341E-E8D5-574D-9C77-42D65F8270B5}" type="datetimeFigureOut">
               <a:rPr lang="en-US" smtClean="0"/>
-              <a:t>Feb 17</a:t>
+              <a:t>Feb 25</a:t>
             </a:fld>
             <a:endParaRPr lang="en-US"/>
           </a:p>
@@ -2353,7 +2353,7 @@
           <a:p>
             <a:fld id="{8AA7341E-E8D5-574D-9C77-42D65F8270B5}" type="datetimeFigureOut">
               <a:rPr lang="en-US" smtClean="0"/>
-              <a:t>Feb 17</a:t>
+              <a:t>Feb 25</a:t>
             </a:fld>
             <a:endParaRPr lang="en-US"/>
           </a:p>
@@ -2566,7 +2566,7 @@
           <a:p>
             <a:fld id="{8AA7341E-E8D5-574D-9C77-42D65F8270B5}" type="datetimeFigureOut">
               <a:rPr lang="en-US" smtClean="0"/>
-              <a:t>Feb 17</a:t>
+              <a:t>Feb 25</a:t>
             </a:fld>
             <a:endParaRPr lang="en-US"/>
           </a:p>
@@ -2971,6 +2971,328 @@
           <a:chExt cx="0" cy="0"/>
         </a:xfrm>
       </p:grpSpPr>
+      <p:pic>
+        <p:nvPicPr>
+          <p:cNvPr id="35" name="Graphic 34">
+            <a:extLst>
+              <a:ext uri="{FF2B5EF4-FFF2-40B4-BE49-F238E27FC236}">
+                <a16:creationId xmlns:a16="http://schemas.microsoft.com/office/drawing/2014/main" id="{15B12DF5-02B0-4E0B-8C4B-9D13E5B3D4F6}"/>
+              </a:ext>
+            </a:extLst>
+          </p:cNvPr>
+          <p:cNvPicPr>
+            <a:picLocks noChangeAspect="1"/>
+          </p:cNvPicPr>
+          <p:nvPr/>
+        </p:nvPicPr>
+        <p:blipFill rotWithShape="1">
+          <a:blip r:embed="rId2">
+            <a:alphaModFix/>
+            <a:extLst>
+              <a:ext uri="{96DAC541-7B7A-43D3-8B79-37D633B846F1}">
+                <asvg:svgBlip xmlns:asvg="http://schemas.microsoft.com/office/drawing/2016/SVG/main" r:embed="rId3"/>
+              </a:ext>
+            </a:extLst>
+          </a:blip>
+          <a:srcRect l="5884" r="4241"/>
+          <a:stretch/>
+        </p:blipFill>
+        <p:spPr>
+          <a:xfrm>
+            <a:off x="625517" y="1197402"/>
+            <a:ext cx="20694566" cy="23025835"/>
+          </a:xfrm>
+          <a:prstGeom prst="rect">
+            <a:avLst/>
+          </a:prstGeom>
+        </p:spPr>
+      </p:pic>
+      <p:pic>
+        <p:nvPicPr>
+          <p:cNvPr id="3" name="Graphic 2">
+            <a:extLst>
+              <a:ext uri="{FF2B5EF4-FFF2-40B4-BE49-F238E27FC236}">
+                <a16:creationId xmlns:a16="http://schemas.microsoft.com/office/drawing/2014/main" id="{B07A2739-2A1C-4C85-AB7B-737B5F378AE1}"/>
+              </a:ext>
+            </a:extLst>
+          </p:cNvPr>
+          <p:cNvPicPr>
+            <a:picLocks noChangeAspect="1"/>
+          </p:cNvPicPr>
+          <p:nvPr/>
+        </p:nvPicPr>
+        <p:blipFill rotWithShape="1">
+          <a:blip r:embed="rId4">
+            <a:alphaModFix amt="75000"/>
+            <a:extLst>
+              <a:ext uri="{96DAC541-7B7A-43D3-8B79-37D633B846F1}">
+                <asvg:svgBlip xmlns:asvg="http://schemas.microsoft.com/office/drawing/2016/SVG/main" r:embed="rId5"/>
+              </a:ext>
+            </a:extLst>
+          </a:blip>
+          <a:srcRect l="5884" r="4241"/>
+          <a:stretch/>
+        </p:blipFill>
+        <p:spPr>
+          <a:xfrm>
+            <a:off x="625517" y="1197402"/>
+            <a:ext cx="20694566" cy="23025835"/>
+          </a:xfrm>
+          <a:prstGeom prst="rect">
+            <a:avLst/>
+          </a:prstGeom>
+        </p:spPr>
+      </p:pic>
+      <p:grpSp>
+        <p:nvGrpSpPr>
+          <p:cNvPr id="6" name="Group 5">
+            <a:extLst>
+              <a:ext uri="{FF2B5EF4-FFF2-40B4-BE49-F238E27FC236}">
+                <a16:creationId xmlns:a16="http://schemas.microsoft.com/office/drawing/2014/main" id="{AEC93F42-C4BE-4DAE-AB03-BD3F941C4D0C}"/>
+              </a:ext>
+            </a:extLst>
+          </p:cNvPr>
+          <p:cNvGrpSpPr/>
+          <p:nvPr/>
+        </p:nvGrpSpPr>
+        <p:grpSpPr>
+          <a:xfrm>
+            <a:off x="390101" y="320611"/>
+            <a:ext cx="21165398" cy="6558574"/>
+            <a:chOff x="735947" y="320611"/>
+            <a:chExt cx="21165398" cy="6558574"/>
+          </a:xfrm>
+        </p:grpSpPr>
+        <p:sp>
+          <p:nvSpPr>
+            <p:cNvPr id="5" name="Right Triangle 4">
+              <a:extLst>
+                <a:ext uri="{FF2B5EF4-FFF2-40B4-BE49-F238E27FC236}">
+                  <a16:creationId xmlns:a16="http://schemas.microsoft.com/office/drawing/2014/main" id="{4FD46B07-F727-47B5-9EC2-06A5ED83F91D}"/>
+                </a:ext>
+              </a:extLst>
+            </p:cNvPr>
+            <p:cNvSpPr/>
+            <p:nvPr/>
+          </p:nvSpPr>
+          <p:spPr>
+            <a:xfrm flipV="1">
+              <a:off x="735947" y="320611"/>
+              <a:ext cx="10928546" cy="6416842"/>
+            </a:xfrm>
+            <a:prstGeom prst="rtTriangle">
+              <a:avLst/>
+            </a:prstGeom>
+            <a:solidFill>
+              <a:schemeClr val="bg1"/>
+            </a:solidFill>
+            <a:ln>
+              <a:noFill/>
+            </a:ln>
+          </p:spPr>
+          <p:style>
+            <a:lnRef idx="2">
+              <a:schemeClr val="accent1">
+                <a:shade val="50000"/>
+              </a:schemeClr>
+            </a:lnRef>
+            <a:fillRef idx="1">
+              <a:schemeClr val="accent1"/>
+            </a:fillRef>
+            <a:effectRef idx="0">
+              <a:schemeClr val="accent1"/>
+            </a:effectRef>
+            <a:fontRef idx="minor">
+              <a:schemeClr val="lt1"/>
+            </a:fontRef>
+          </p:style>
+          <p:txBody>
+            <a:bodyPr rtlCol="0" anchor="ctr"/>
+            <a:lstStyle/>
+            <a:p>
+              <a:pPr algn="ctr"/>
+              <a:endParaRPr lang="en-US"/>
+            </a:p>
+          </p:txBody>
+        </p:sp>
+        <p:sp>
+          <p:nvSpPr>
+            <p:cNvPr id="27" name="Right Triangle 26">
+              <a:extLst>
+                <a:ext uri="{FF2B5EF4-FFF2-40B4-BE49-F238E27FC236}">
+                  <a16:creationId xmlns:a16="http://schemas.microsoft.com/office/drawing/2014/main" id="{5D71370B-7B5E-4BC1-9375-F42556F495C5}"/>
+                </a:ext>
+              </a:extLst>
+            </p:cNvPr>
+            <p:cNvSpPr/>
+            <p:nvPr/>
+          </p:nvSpPr>
+          <p:spPr>
+            <a:xfrm flipH="1" flipV="1">
+              <a:off x="10972799" y="462343"/>
+              <a:ext cx="10928546" cy="6416842"/>
+            </a:xfrm>
+            <a:prstGeom prst="rtTriangle">
+              <a:avLst/>
+            </a:prstGeom>
+            <a:solidFill>
+              <a:schemeClr val="bg1"/>
+            </a:solidFill>
+            <a:ln>
+              <a:noFill/>
+            </a:ln>
+          </p:spPr>
+          <p:style>
+            <a:lnRef idx="2">
+              <a:schemeClr val="accent1">
+                <a:shade val="50000"/>
+              </a:schemeClr>
+            </a:lnRef>
+            <a:fillRef idx="1">
+              <a:schemeClr val="accent1"/>
+            </a:fillRef>
+            <a:effectRef idx="0">
+              <a:schemeClr val="accent1"/>
+            </a:effectRef>
+            <a:fontRef idx="minor">
+              <a:schemeClr val="lt1"/>
+            </a:fontRef>
+          </p:style>
+          <p:txBody>
+            <a:bodyPr rtlCol="0" anchor="ctr"/>
+            <a:lstStyle/>
+            <a:p>
+              <a:pPr algn="ctr"/>
+              <a:endParaRPr lang="en-US"/>
+            </a:p>
+          </p:txBody>
+        </p:sp>
+      </p:grpSp>
+      <p:grpSp>
+        <p:nvGrpSpPr>
+          <p:cNvPr id="32" name="Group 31">
+            <a:extLst>
+              <a:ext uri="{FF2B5EF4-FFF2-40B4-BE49-F238E27FC236}">
+                <a16:creationId xmlns:a16="http://schemas.microsoft.com/office/drawing/2014/main" id="{81570FB5-4FA5-4309-A367-D378365C309F}"/>
+              </a:ext>
+            </a:extLst>
+          </p:cNvPr>
+          <p:cNvGrpSpPr/>
+          <p:nvPr/>
+        </p:nvGrpSpPr>
+        <p:grpSpPr>
+          <a:xfrm flipV="1">
+            <a:off x="390101" y="18515256"/>
+            <a:ext cx="21165398" cy="6558574"/>
+            <a:chOff x="735947" y="320611"/>
+            <a:chExt cx="21165398" cy="6558574"/>
+          </a:xfrm>
+        </p:grpSpPr>
+        <p:sp>
+          <p:nvSpPr>
+            <p:cNvPr id="33" name="Right Triangle 32">
+              <a:extLst>
+                <a:ext uri="{FF2B5EF4-FFF2-40B4-BE49-F238E27FC236}">
+                  <a16:creationId xmlns:a16="http://schemas.microsoft.com/office/drawing/2014/main" id="{CCE7F53C-29E9-4050-95B4-89786C20074F}"/>
+                </a:ext>
+              </a:extLst>
+            </p:cNvPr>
+            <p:cNvSpPr/>
+            <p:nvPr/>
+          </p:nvSpPr>
+          <p:spPr>
+            <a:xfrm flipV="1">
+              <a:off x="735947" y="320611"/>
+              <a:ext cx="10928546" cy="6416842"/>
+            </a:xfrm>
+            <a:prstGeom prst="rtTriangle">
+              <a:avLst/>
+            </a:prstGeom>
+            <a:solidFill>
+              <a:schemeClr val="bg1"/>
+            </a:solidFill>
+            <a:ln>
+              <a:noFill/>
+            </a:ln>
+          </p:spPr>
+          <p:style>
+            <a:lnRef idx="2">
+              <a:schemeClr val="accent1">
+                <a:shade val="50000"/>
+              </a:schemeClr>
+            </a:lnRef>
+            <a:fillRef idx="1">
+              <a:schemeClr val="accent1"/>
+            </a:fillRef>
+            <a:effectRef idx="0">
+              <a:schemeClr val="accent1"/>
+            </a:effectRef>
+            <a:fontRef idx="minor">
+              <a:schemeClr val="lt1"/>
+            </a:fontRef>
+          </p:style>
+          <p:txBody>
+            <a:bodyPr rtlCol="0" anchor="ctr"/>
+            <a:lstStyle/>
+            <a:p>
+              <a:pPr algn="ctr"/>
+              <a:endParaRPr lang="en-US"/>
+            </a:p>
+          </p:txBody>
+        </p:sp>
+        <p:sp>
+          <p:nvSpPr>
+            <p:cNvPr id="34" name="Right Triangle 33">
+              <a:extLst>
+                <a:ext uri="{FF2B5EF4-FFF2-40B4-BE49-F238E27FC236}">
+                  <a16:creationId xmlns:a16="http://schemas.microsoft.com/office/drawing/2014/main" id="{BB3BFD40-E745-444F-A8F6-3E6E48431DFE}"/>
+                </a:ext>
+              </a:extLst>
+            </p:cNvPr>
+            <p:cNvSpPr/>
+            <p:nvPr/>
+          </p:nvSpPr>
+          <p:spPr>
+            <a:xfrm flipH="1" flipV="1">
+              <a:off x="10972799" y="462343"/>
+              <a:ext cx="10928546" cy="6416842"/>
+            </a:xfrm>
+            <a:prstGeom prst="rtTriangle">
+              <a:avLst/>
+            </a:prstGeom>
+            <a:solidFill>
+              <a:schemeClr val="bg1"/>
+            </a:solidFill>
+            <a:ln>
+              <a:noFill/>
+            </a:ln>
+          </p:spPr>
+          <p:style>
+            <a:lnRef idx="2">
+              <a:schemeClr val="accent1">
+                <a:shade val="50000"/>
+              </a:schemeClr>
+            </a:lnRef>
+            <a:fillRef idx="1">
+              <a:schemeClr val="accent1"/>
+            </a:fillRef>
+            <a:effectRef idx="0">
+              <a:schemeClr val="accent1"/>
+            </a:effectRef>
+            <a:fontRef idx="minor">
+              <a:schemeClr val="lt1"/>
+            </a:fontRef>
+          </p:style>
+          <p:txBody>
+            <a:bodyPr rtlCol="0" anchor="ctr"/>
+            <a:lstStyle/>
+            <a:p>
+              <a:pPr algn="ctr"/>
+              <a:endParaRPr lang="en-US"/>
+            </a:p>
+          </p:txBody>
+        </p:sp>
+      </p:grpSp>
       <p:sp>
         <p:nvSpPr>
           <p:cNvPr id="36" name="Hexagon 35">
@@ -2987,7 +3309,7 @@
         </p:nvSpPr>
         <p:spPr>
           <a:xfrm rot="5400000">
-            <a:off x="-725219" y="2394573"/>
+            <a:off x="-914402" y="2394573"/>
             <a:ext cx="23774404" cy="20694565"/>
           </a:xfrm>
           <a:prstGeom prst="hexagon">
@@ -2996,12 +3318,10 @@
               <a:gd name="vf" fmla="val 115470"/>
             </a:avLst>
           </a:prstGeom>
-          <a:solidFill>
-            <a:srgbClr val="4C7740"/>
-          </a:solidFill>
+          <a:noFill/>
           <a:ln w="825500">
             <a:solidFill>
-              <a:srgbClr val="395930"/>
+              <a:srgbClr val="44190D"/>
             </a:solidFill>
           </a:ln>
         </p:spPr>
@@ -3044,8 +3364,8 @@
         </p:nvSpPr>
         <p:spPr>
           <a:xfrm>
-            <a:off x="1524000" y="12006205"/>
-            <a:ext cx="18897599" cy="5632311"/>
+            <a:off x="1299412" y="13048942"/>
+            <a:ext cx="18897599" cy="6247864"/>
           </a:xfrm>
           <a:prstGeom prst="rect">
             <a:avLst/>
@@ -3060,1755 +3380,65 @@
           <a:p>
             <a:pPr algn="ctr"/>
             <a:r>
-              <a:rPr lang="en-US" sz="36000" spc="-300" dirty="0" err="1">
+              <a:rPr lang="en-US" sz="40000" spc="-2000" dirty="0" err="1">
+                <a:ln w="127000">
+                  <a:noFill/>
+                </a:ln>
                 <a:solidFill>
-                  <a:srgbClr val="F6F7F3"/>
+                  <a:srgbClr val="F5F8FA"/>
                 </a:solidFill>
                 <a:latin typeface="Source Sans Pro" panose="020B0503030403020204" pitchFamily="34" charset="0"/>
               </a:rPr>
               <a:t>leafpeepr</a:t>
             </a:r>
-            <a:endParaRPr lang="en-US" sz="36000" spc="-300" dirty="0">
+            <a:endParaRPr lang="en-US" sz="40000" spc="-2000" dirty="0">
+              <a:ln w="127000">
+                <a:noFill/>
+              </a:ln>
               <a:solidFill>
-                <a:srgbClr val="F6F7F3"/>
+                <a:srgbClr val="F5F8FA"/>
               </a:solidFill>
               <a:latin typeface="Source Sans Pro" panose="020B0503030403020204" pitchFamily="34" charset="0"/>
             </a:endParaRPr>
           </a:p>
         </p:txBody>
       </p:sp>
-      <p:grpSp>
-        <p:nvGrpSpPr>
-          <p:cNvPr id="31" name="Group 30">
+      <p:pic>
+        <p:nvPicPr>
+          <p:cNvPr id="8" name="Graphic 7">
             <a:extLst>
               <a:ext uri="{FF2B5EF4-FFF2-40B4-BE49-F238E27FC236}">
-                <a16:creationId xmlns:a16="http://schemas.microsoft.com/office/drawing/2014/main" id="{A71179C0-44FA-4A57-9888-84DB65945448}"/>
+                <a16:creationId xmlns:a16="http://schemas.microsoft.com/office/drawing/2014/main" id="{1E75B4AB-0618-481C-A86B-5182BB8A910B}"/>
               </a:ext>
             </a:extLst>
           </p:cNvPr>
-          <p:cNvGrpSpPr/>
+          <p:cNvPicPr>
+            <a:picLocks noChangeAspect="1"/>
+          </p:cNvPicPr>
           <p:nvPr/>
-        </p:nvGrpSpPr>
-        <p:grpSpPr>
-          <a:xfrm>
-            <a:off x="11882156" y="8097793"/>
-            <a:ext cx="6972198" cy="5397398"/>
-            <a:chOff x="12631804" y="7788685"/>
-            <a:chExt cx="6972198" cy="5397398"/>
-          </a:xfrm>
-        </p:grpSpPr>
-        <p:sp>
-          <p:nvSpPr>
-            <p:cNvPr id="21" name="Freeform: Shape 20">
-              <a:extLst>
-                <a:ext uri="{FF2B5EF4-FFF2-40B4-BE49-F238E27FC236}">
-                  <a16:creationId xmlns:a16="http://schemas.microsoft.com/office/drawing/2014/main" id="{5155C324-C6AC-4894-ACC5-6E8B70007063}"/>
-                </a:ext>
-              </a:extLst>
-            </p:cNvPr>
-            <p:cNvSpPr/>
-            <p:nvPr/>
-          </p:nvSpPr>
-          <p:spPr>
-            <a:xfrm>
-              <a:off x="12631804" y="7788685"/>
-              <a:ext cx="3232099" cy="5397398"/>
-            </a:xfrm>
-            <a:custGeom>
-              <a:avLst/>
-              <a:gdLst>
-                <a:gd name="connsiteX0" fmla="*/ 3232099 w 3232099"/>
-                <a:gd name="connsiteY0" fmla="*/ 2698699 h 5397398"/>
-                <a:gd name="connsiteX1" fmla="*/ 1616050 w 3232099"/>
-                <a:gd name="connsiteY1" fmla="*/ 5397399 h 5397398"/>
-                <a:gd name="connsiteX2" fmla="*/ 0 w 3232099"/>
-                <a:gd name="connsiteY2" fmla="*/ 2698699 h 5397398"/>
-                <a:gd name="connsiteX3" fmla="*/ 1616050 w 3232099"/>
-                <a:gd name="connsiteY3" fmla="*/ 0 h 5397398"/>
-                <a:gd name="connsiteX4" fmla="*/ 3232099 w 3232099"/>
-                <a:gd name="connsiteY4" fmla="*/ 2698699 h 5397398"/>
-              </a:gdLst>
-              <a:ahLst/>
-              <a:cxnLst>
-                <a:cxn ang="0">
-                  <a:pos x="connsiteX0" y="connsiteY0"/>
-                </a:cxn>
-                <a:cxn ang="0">
-                  <a:pos x="connsiteX1" y="connsiteY1"/>
-                </a:cxn>
-                <a:cxn ang="0">
-                  <a:pos x="connsiteX2" y="connsiteY2"/>
-                </a:cxn>
-                <a:cxn ang="0">
-                  <a:pos x="connsiteX3" y="connsiteY3"/>
-                </a:cxn>
-                <a:cxn ang="0">
-                  <a:pos x="connsiteX4" y="connsiteY4"/>
-                </a:cxn>
-              </a:cxnLst>
-              <a:rect l="l" t="t" r="r" b="b"/>
-              <a:pathLst>
-                <a:path w="3232099" h="5397398">
-                  <a:moveTo>
-                    <a:pt x="3232099" y="2698699"/>
-                  </a:moveTo>
-                  <a:cubicBezTo>
-                    <a:pt x="3232099" y="4189150"/>
-                    <a:pt x="2508569" y="5397399"/>
-                    <a:pt x="1616050" y="5397399"/>
-                  </a:cubicBezTo>
-                  <a:cubicBezTo>
-                    <a:pt x="723530" y="5397399"/>
-                    <a:pt x="0" y="4189150"/>
-                    <a:pt x="0" y="2698699"/>
-                  </a:cubicBezTo>
-                  <a:cubicBezTo>
-                    <a:pt x="0" y="1208249"/>
-                    <a:pt x="723530" y="0"/>
-                    <a:pt x="1616050" y="0"/>
-                  </a:cubicBezTo>
-                  <a:cubicBezTo>
-                    <a:pt x="2508569" y="0"/>
-                    <a:pt x="3232099" y="1208249"/>
-                    <a:pt x="3232099" y="2698699"/>
-                  </a:cubicBezTo>
-                  <a:close/>
-                </a:path>
-              </a:pathLst>
-            </a:custGeom>
-            <a:solidFill>
-              <a:srgbClr val="F6F7F3"/>
-            </a:solidFill>
-            <a:ln w="203200" cap="flat">
-              <a:noFill/>
-              <a:prstDash val="solid"/>
-              <a:miter/>
-            </a:ln>
-          </p:spPr>
-          <p:txBody>
-            <a:bodyPr rtlCol="0" anchor="ctr"/>
-            <a:lstStyle/>
-            <a:p>
-              <a:endParaRPr lang="en-US"/>
-            </a:p>
-          </p:txBody>
-        </p:sp>
-        <p:sp>
-          <p:nvSpPr>
-            <p:cNvPr id="23" name="Freeform: Shape 22">
-              <a:extLst>
-                <a:ext uri="{FF2B5EF4-FFF2-40B4-BE49-F238E27FC236}">
-                  <a16:creationId xmlns:a16="http://schemas.microsoft.com/office/drawing/2014/main" id="{C450EB70-264B-496B-9AC7-4838D9C96559}"/>
-                </a:ext>
-              </a:extLst>
-            </p:cNvPr>
-            <p:cNvSpPr/>
-            <p:nvPr/>
-          </p:nvSpPr>
-          <p:spPr>
-            <a:xfrm>
-              <a:off x="12786032" y="9479513"/>
-              <a:ext cx="2015744" cy="2015744"/>
-            </a:xfrm>
-            <a:custGeom>
-              <a:avLst/>
-              <a:gdLst>
-                <a:gd name="connsiteX0" fmla="*/ 2015744 w 2015744"/>
-                <a:gd name="connsiteY0" fmla="*/ 1007872 h 2015744"/>
-                <a:gd name="connsiteX1" fmla="*/ 1007872 w 2015744"/>
-                <a:gd name="connsiteY1" fmla="*/ 2015744 h 2015744"/>
-                <a:gd name="connsiteX2" fmla="*/ 0 w 2015744"/>
-                <a:gd name="connsiteY2" fmla="*/ 1007872 h 2015744"/>
-                <a:gd name="connsiteX3" fmla="*/ 1007872 w 2015744"/>
-                <a:gd name="connsiteY3" fmla="*/ 0 h 2015744"/>
-                <a:gd name="connsiteX4" fmla="*/ 2015744 w 2015744"/>
-                <a:gd name="connsiteY4" fmla="*/ 1007872 h 2015744"/>
-              </a:gdLst>
-              <a:ahLst/>
-              <a:cxnLst>
-                <a:cxn ang="0">
-                  <a:pos x="connsiteX0" y="connsiteY0"/>
-                </a:cxn>
-                <a:cxn ang="0">
-                  <a:pos x="connsiteX1" y="connsiteY1"/>
-                </a:cxn>
-                <a:cxn ang="0">
-                  <a:pos x="connsiteX2" y="connsiteY2"/>
-                </a:cxn>
-                <a:cxn ang="0">
-                  <a:pos x="connsiteX3" y="connsiteY3"/>
-                </a:cxn>
-                <a:cxn ang="0">
-                  <a:pos x="connsiteX4" y="connsiteY4"/>
-                </a:cxn>
-              </a:cxnLst>
-              <a:rect l="l" t="t" r="r" b="b"/>
-              <a:pathLst>
-                <a:path w="2015744" h="2015744">
-                  <a:moveTo>
-                    <a:pt x="2015744" y="1007872"/>
-                  </a:moveTo>
-                  <a:cubicBezTo>
-                    <a:pt x="2015744" y="1564504"/>
-                    <a:pt x="1564504" y="2015744"/>
-                    <a:pt x="1007872" y="2015744"/>
-                  </a:cubicBezTo>
-                  <a:cubicBezTo>
-                    <a:pt x="451240" y="2015744"/>
-                    <a:pt x="0" y="1564504"/>
-                    <a:pt x="0" y="1007872"/>
-                  </a:cubicBezTo>
-                  <a:cubicBezTo>
-                    <a:pt x="0" y="451240"/>
-                    <a:pt x="451240" y="0"/>
-                    <a:pt x="1007872" y="0"/>
-                  </a:cubicBezTo>
-                  <a:cubicBezTo>
-                    <a:pt x="1564504" y="0"/>
-                    <a:pt x="2015744" y="451240"/>
-                    <a:pt x="2015744" y="1007872"/>
-                  </a:cubicBezTo>
-                  <a:close/>
-                </a:path>
-              </a:pathLst>
-            </a:custGeom>
-            <a:solidFill>
-              <a:srgbClr val="5F9550"/>
-            </a:solidFill>
-            <a:ln w="203200" cap="flat">
-              <a:noFill/>
-              <a:prstDash val="solid"/>
-              <a:miter/>
-            </a:ln>
-          </p:spPr>
-          <p:txBody>
-            <a:bodyPr rtlCol="0" anchor="ctr"/>
-            <a:lstStyle/>
-            <a:p>
-              <a:endParaRPr lang="en-US"/>
-            </a:p>
-          </p:txBody>
-        </p:sp>
-        <p:sp>
-          <p:nvSpPr>
-            <p:cNvPr id="24" name="Freeform: Shape 23">
-              <a:extLst>
-                <a:ext uri="{FF2B5EF4-FFF2-40B4-BE49-F238E27FC236}">
-                  <a16:creationId xmlns:a16="http://schemas.microsoft.com/office/drawing/2014/main" id="{746F4272-A7DA-48EA-93A7-1006C17AE850}"/>
-                </a:ext>
-              </a:extLst>
-            </p:cNvPr>
-            <p:cNvSpPr/>
-            <p:nvPr/>
-          </p:nvSpPr>
-          <p:spPr>
-            <a:xfrm>
-              <a:off x="13069496" y="9762977"/>
-              <a:ext cx="1448816" cy="1448816"/>
-            </a:xfrm>
-            <a:custGeom>
-              <a:avLst/>
-              <a:gdLst>
-                <a:gd name="connsiteX0" fmla="*/ 1448816 w 1448816"/>
-                <a:gd name="connsiteY0" fmla="*/ 724408 h 1448816"/>
-                <a:gd name="connsiteX1" fmla="*/ 724408 w 1448816"/>
-                <a:gd name="connsiteY1" fmla="*/ 1448816 h 1448816"/>
-                <a:gd name="connsiteX2" fmla="*/ 0 w 1448816"/>
-                <a:gd name="connsiteY2" fmla="*/ 724408 h 1448816"/>
-                <a:gd name="connsiteX3" fmla="*/ 724408 w 1448816"/>
-                <a:gd name="connsiteY3" fmla="*/ 0 h 1448816"/>
-                <a:gd name="connsiteX4" fmla="*/ 1448816 w 1448816"/>
-                <a:gd name="connsiteY4" fmla="*/ 724408 h 1448816"/>
-              </a:gdLst>
-              <a:ahLst/>
-              <a:cxnLst>
-                <a:cxn ang="0">
-                  <a:pos x="connsiteX0" y="connsiteY0"/>
-                </a:cxn>
-                <a:cxn ang="0">
-                  <a:pos x="connsiteX1" y="connsiteY1"/>
-                </a:cxn>
-                <a:cxn ang="0">
-                  <a:pos x="connsiteX2" y="connsiteY2"/>
-                </a:cxn>
-                <a:cxn ang="0">
-                  <a:pos x="connsiteX3" y="connsiteY3"/>
-                </a:cxn>
-                <a:cxn ang="0">
-                  <a:pos x="connsiteX4" y="connsiteY4"/>
-                </a:cxn>
-              </a:cxnLst>
-              <a:rect l="l" t="t" r="r" b="b"/>
-              <a:pathLst>
-                <a:path w="1448816" h="1448816">
-                  <a:moveTo>
-                    <a:pt x="1448816" y="724408"/>
-                  </a:moveTo>
-                  <a:cubicBezTo>
-                    <a:pt x="1448816" y="1124488"/>
-                    <a:pt x="1124488" y="1448816"/>
-                    <a:pt x="724408" y="1448816"/>
-                  </a:cubicBezTo>
-                  <a:cubicBezTo>
-                    <a:pt x="324329" y="1448816"/>
-                    <a:pt x="0" y="1124488"/>
-                    <a:pt x="0" y="724408"/>
-                  </a:cubicBezTo>
-                  <a:cubicBezTo>
-                    <a:pt x="0" y="324329"/>
-                    <a:pt x="324329" y="0"/>
-                    <a:pt x="724408" y="0"/>
-                  </a:cubicBezTo>
-                  <a:cubicBezTo>
-                    <a:pt x="1124488" y="0"/>
-                    <a:pt x="1448816" y="324329"/>
-                    <a:pt x="1448816" y="724408"/>
-                  </a:cubicBezTo>
-                  <a:close/>
-                </a:path>
-              </a:pathLst>
-            </a:custGeom>
-            <a:solidFill>
-              <a:srgbClr val="1D2D18"/>
-            </a:solidFill>
-            <a:ln w="203200" cap="flat">
-              <a:noFill/>
-              <a:prstDash val="solid"/>
-              <a:miter/>
-            </a:ln>
-          </p:spPr>
-          <p:txBody>
-            <a:bodyPr rtlCol="0" anchor="ctr"/>
-            <a:lstStyle/>
-            <a:p>
-              <a:endParaRPr lang="en-US"/>
-            </a:p>
-          </p:txBody>
-        </p:sp>
-        <p:sp>
-          <p:nvSpPr>
-            <p:cNvPr id="25" name="Freeform: Shape 24">
-              <a:extLst>
-                <a:ext uri="{FF2B5EF4-FFF2-40B4-BE49-F238E27FC236}">
-                  <a16:creationId xmlns:a16="http://schemas.microsoft.com/office/drawing/2014/main" id="{9749205E-D2E2-472A-A65C-FD55A61DA268}"/>
-                </a:ext>
-              </a:extLst>
-            </p:cNvPr>
-            <p:cNvSpPr/>
-            <p:nvPr/>
-          </p:nvSpPr>
-          <p:spPr>
-            <a:xfrm>
-              <a:off x="13771756" y="9678039"/>
-              <a:ext cx="579526" cy="579526"/>
-            </a:xfrm>
-            <a:custGeom>
-              <a:avLst/>
-              <a:gdLst>
-                <a:gd name="connsiteX0" fmla="*/ 579526 w 579526"/>
-                <a:gd name="connsiteY0" fmla="*/ 289763 h 579526"/>
-                <a:gd name="connsiteX1" fmla="*/ 289763 w 579526"/>
-                <a:gd name="connsiteY1" fmla="*/ 579526 h 579526"/>
-                <a:gd name="connsiteX2" fmla="*/ 0 w 579526"/>
-                <a:gd name="connsiteY2" fmla="*/ 289763 h 579526"/>
-                <a:gd name="connsiteX3" fmla="*/ 289763 w 579526"/>
-                <a:gd name="connsiteY3" fmla="*/ 0 h 579526"/>
-                <a:gd name="connsiteX4" fmla="*/ 579526 w 579526"/>
-                <a:gd name="connsiteY4" fmla="*/ 289763 h 579526"/>
-              </a:gdLst>
-              <a:ahLst/>
-              <a:cxnLst>
-                <a:cxn ang="0">
-                  <a:pos x="connsiteX0" y="connsiteY0"/>
-                </a:cxn>
-                <a:cxn ang="0">
-                  <a:pos x="connsiteX1" y="connsiteY1"/>
-                </a:cxn>
-                <a:cxn ang="0">
-                  <a:pos x="connsiteX2" y="connsiteY2"/>
-                </a:cxn>
-                <a:cxn ang="0">
-                  <a:pos x="connsiteX3" y="connsiteY3"/>
-                </a:cxn>
-                <a:cxn ang="0">
-                  <a:pos x="connsiteX4" y="connsiteY4"/>
-                </a:cxn>
-              </a:cxnLst>
-              <a:rect l="l" t="t" r="r" b="b"/>
-              <a:pathLst>
-                <a:path w="579526" h="579526">
-                  <a:moveTo>
-                    <a:pt x="579526" y="289763"/>
-                  </a:moveTo>
-                  <a:cubicBezTo>
-                    <a:pt x="579526" y="449795"/>
-                    <a:pt x="449795" y="579526"/>
-                    <a:pt x="289763" y="579526"/>
-                  </a:cubicBezTo>
-                  <a:cubicBezTo>
-                    <a:pt x="129731" y="579526"/>
-                    <a:pt x="0" y="449795"/>
-                    <a:pt x="0" y="289763"/>
-                  </a:cubicBezTo>
-                  <a:cubicBezTo>
-                    <a:pt x="0" y="129731"/>
-                    <a:pt x="129731" y="0"/>
-                    <a:pt x="289763" y="0"/>
-                  </a:cubicBezTo>
-                  <a:cubicBezTo>
-                    <a:pt x="449795" y="0"/>
-                    <a:pt x="579526" y="129731"/>
-                    <a:pt x="579526" y="289763"/>
-                  </a:cubicBezTo>
-                  <a:close/>
-                </a:path>
-              </a:pathLst>
-            </a:custGeom>
-            <a:solidFill>
-              <a:srgbClr val="F5F8FA"/>
-            </a:solidFill>
-            <a:ln w="203200" cap="flat">
-              <a:noFill/>
-              <a:prstDash val="solid"/>
-              <a:miter/>
-            </a:ln>
-          </p:spPr>
-          <p:txBody>
-            <a:bodyPr rtlCol="0" anchor="ctr"/>
-            <a:lstStyle/>
-            <a:p>
-              <a:endParaRPr lang="en-US"/>
-            </a:p>
-          </p:txBody>
-        </p:sp>
-        <p:sp>
-          <p:nvSpPr>
-            <p:cNvPr id="26" name="Freeform: Shape 25">
-              <a:extLst>
-                <a:ext uri="{FF2B5EF4-FFF2-40B4-BE49-F238E27FC236}">
-                  <a16:creationId xmlns:a16="http://schemas.microsoft.com/office/drawing/2014/main" id="{6659143B-1D77-4C1F-9289-092604BFEC94}"/>
-                </a:ext>
-              </a:extLst>
-            </p:cNvPr>
-            <p:cNvSpPr/>
-            <p:nvPr/>
-          </p:nvSpPr>
-          <p:spPr>
-            <a:xfrm>
-              <a:off x="16371903" y="7788685"/>
-              <a:ext cx="3232099" cy="5397398"/>
-            </a:xfrm>
-            <a:custGeom>
-              <a:avLst/>
-              <a:gdLst>
-                <a:gd name="connsiteX0" fmla="*/ 3232099 w 3232099"/>
-                <a:gd name="connsiteY0" fmla="*/ 2698699 h 5397398"/>
-                <a:gd name="connsiteX1" fmla="*/ 1616050 w 3232099"/>
-                <a:gd name="connsiteY1" fmla="*/ 5397399 h 5397398"/>
-                <a:gd name="connsiteX2" fmla="*/ 0 w 3232099"/>
-                <a:gd name="connsiteY2" fmla="*/ 2698699 h 5397398"/>
-                <a:gd name="connsiteX3" fmla="*/ 1616050 w 3232099"/>
-                <a:gd name="connsiteY3" fmla="*/ 0 h 5397398"/>
-                <a:gd name="connsiteX4" fmla="*/ 3232099 w 3232099"/>
-                <a:gd name="connsiteY4" fmla="*/ 2698699 h 5397398"/>
-              </a:gdLst>
-              <a:ahLst/>
-              <a:cxnLst>
-                <a:cxn ang="0">
-                  <a:pos x="connsiteX0" y="connsiteY0"/>
-                </a:cxn>
-                <a:cxn ang="0">
-                  <a:pos x="connsiteX1" y="connsiteY1"/>
-                </a:cxn>
-                <a:cxn ang="0">
-                  <a:pos x="connsiteX2" y="connsiteY2"/>
-                </a:cxn>
-                <a:cxn ang="0">
-                  <a:pos x="connsiteX3" y="connsiteY3"/>
-                </a:cxn>
-                <a:cxn ang="0">
-                  <a:pos x="connsiteX4" y="connsiteY4"/>
-                </a:cxn>
-              </a:cxnLst>
-              <a:rect l="l" t="t" r="r" b="b"/>
-              <a:pathLst>
-                <a:path w="3232099" h="5397398">
-                  <a:moveTo>
-                    <a:pt x="3232099" y="2698699"/>
-                  </a:moveTo>
-                  <a:cubicBezTo>
-                    <a:pt x="3232099" y="4189150"/>
-                    <a:pt x="2508570" y="5397399"/>
-                    <a:pt x="1616050" y="5397399"/>
-                  </a:cubicBezTo>
-                  <a:cubicBezTo>
-                    <a:pt x="723530" y="5397399"/>
-                    <a:pt x="0" y="4189150"/>
-                    <a:pt x="0" y="2698699"/>
-                  </a:cubicBezTo>
-                  <a:cubicBezTo>
-                    <a:pt x="0" y="1208249"/>
-                    <a:pt x="723530" y="0"/>
-                    <a:pt x="1616050" y="0"/>
-                  </a:cubicBezTo>
-                  <a:cubicBezTo>
-                    <a:pt x="2508570" y="0"/>
-                    <a:pt x="3232099" y="1208249"/>
-                    <a:pt x="3232099" y="2698699"/>
-                  </a:cubicBezTo>
-                  <a:close/>
-                </a:path>
-              </a:pathLst>
-            </a:custGeom>
-            <a:solidFill>
-              <a:srgbClr val="F6F7F3"/>
-            </a:solidFill>
-            <a:ln w="203200" cap="flat">
-              <a:noFill/>
-              <a:prstDash val="solid"/>
-              <a:miter/>
-            </a:ln>
-          </p:spPr>
-          <p:txBody>
-            <a:bodyPr rtlCol="0" anchor="ctr"/>
-            <a:lstStyle/>
-            <a:p>
-              <a:endParaRPr lang="en-US"/>
-            </a:p>
-          </p:txBody>
-        </p:sp>
-        <p:sp>
-          <p:nvSpPr>
-            <p:cNvPr id="28" name="Freeform: Shape 27">
-              <a:extLst>
-                <a:ext uri="{FF2B5EF4-FFF2-40B4-BE49-F238E27FC236}">
-                  <a16:creationId xmlns:a16="http://schemas.microsoft.com/office/drawing/2014/main" id="{EA93B68A-B5F5-41CC-9DBA-71BC967A9F73}"/>
-                </a:ext>
-              </a:extLst>
-            </p:cNvPr>
-            <p:cNvSpPr/>
-            <p:nvPr/>
-          </p:nvSpPr>
-          <p:spPr>
-            <a:xfrm>
-              <a:off x="16526132" y="9479513"/>
-              <a:ext cx="2015744" cy="2015744"/>
-            </a:xfrm>
-            <a:custGeom>
-              <a:avLst/>
-              <a:gdLst>
-                <a:gd name="connsiteX0" fmla="*/ 2015744 w 2015744"/>
-                <a:gd name="connsiteY0" fmla="*/ 1007872 h 2015744"/>
-                <a:gd name="connsiteX1" fmla="*/ 1007872 w 2015744"/>
-                <a:gd name="connsiteY1" fmla="*/ 2015744 h 2015744"/>
-                <a:gd name="connsiteX2" fmla="*/ 0 w 2015744"/>
-                <a:gd name="connsiteY2" fmla="*/ 1007872 h 2015744"/>
-                <a:gd name="connsiteX3" fmla="*/ 1007872 w 2015744"/>
-                <a:gd name="connsiteY3" fmla="*/ 0 h 2015744"/>
-                <a:gd name="connsiteX4" fmla="*/ 2015744 w 2015744"/>
-                <a:gd name="connsiteY4" fmla="*/ 1007872 h 2015744"/>
-              </a:gdLst>
-              <a:ahLst/>
-              <a:cxnLst>
-                <a:cxn ang="0">
-                  <a:pos x="connsiteX0" y="connsiteY0"/>
-                </a:cxn>
-                <a:cxn ang="0">
-                  <a:pos x="connsiteX1" y="connsiteY1"/>
-                </a:cxn>
-                <a:cxn ang="0">
-                  <a:pos x="connsiteX2" y="connsiteY2"/>
-                </a:cxn>
-                <a:cxn ang="0">
-                  <a:pos x="connsiteX3" y="connsiteY3"/>
-                </a:cxn>
-                <a:cxn ang="0">
-                  <a:pos x="connsiteX4" y="connsiteY4"/>
-                </a:cxn>
-              </a:cxnLst>
-              <a:rect l="l" t="t" r="r" b="b"/>
-              <a:pathLst>
-                <a:path w="2015744" h="2015744">
-                  <a:moveTo>
-                    <a:pt x="2015744" y="1007872"/>
-                  </a:moveTo>
-                  <a:cubicBezTo>
-                    <a:pt x="2015744" y="1564504"/>
-                    <a:pt x="1564504" y="2015744"/>
-                    <a:pt x="1007872" y="2015744"/>
-                  </a:cubicBezTo>
-                  <a:cubicBezTo>
-                    <a:pt x="451240" y="2015744"/>
-                    <a:pt x="0" y="1564504"/>
-                    <a:pt x="0" y="1007872"/>
-                  </a:cubicBezTo>
-                  <a:cubicBezTo>
-                    <a:pt x="0" y="451240"/>
-                    <a:pt x="451240" y="0"/>
-                    <a:pt x="1007872" y="0"/>
-                  </a:cubicBezTo>
-                  <a:cubicBezTo>
-                    <a:pt x="1564504" y="0"/>
-                    <a:pt x="2015744" y="451240"/>
-                    <a:pt x="2015744" y="1007872"/>
-                  </a:cubicBezTo>
-                  <a:close/>
-                </a:path>
-              </a:pathLst>
-            </a:custGeom>
-            <a:solidFill>
-              <a:srgbClr val="5F9550"/>
-            </a:solidFill>
-            <a:ln w="203200" cap="flat">
-              <a:noFill/>
-              <a:prstDash val="solid"/>
-              <a:miter/>
-            </a:ln>
-          </p:spPr>
-          <p:txBody>
-            <a:bodyPr rtlCol="0" anchor="ctr"/>
-            <a:lstStyle/>
-            <a:p>
-              <a:endParaRPr lang="en-US"/>
-            </a:p>
-          </p:txBody>
-        </p:sp>
-        <p:sp>
-          <p:nvSpPr>
-            <p:cNvPr id="29" name="Freeform: Shape 28">
-              <a:extLst>
-                <a:ext uri="{FF2B5EF4-FFF2-40B4-BE49-F238E27FC236}">
-                  <a16:creationId xmlns:a16="http://schemas.microsoft.com/office/drawing/2014/main" id="{6981EDD3-A5CE-4C6C-B7BB-811018CCCB87}"/>
-                </a:ext>
-              </a:extLst>
-            </p:cNvPr>
-            <p:cNvSpPr/>
-            <p:nvPr/>
-          </p:nvSpPr>
-          <p:spPr>
-            <a:xfrm>
-              <a:off x="16809596" y="9762977"/>
-              <a:ext cx="1448816" cy="1448816"/>
-            </a:xfrm>
-            <a:custGeom>
-              <a:avLst/>
-              <a:gdLst>
-                <a:gd name="connsiteX0" fmla="*/ 1448816 w 1448816"/>
-                <a:gd name="connsiteY0" fmla="*/ 724408 h 1448816"/>
-                <a:gd name="connsiteX1" fmla="*/ 724408 w 1448816"/>
-                <a:gd name="connsiteY1" fmla="*/ 1448816 h 1448816"/>
-                <a:gd name="connsiteX2" fmla="*/ 0 w 1448816"/>
-                <a:gd name="connsiteY2" fmla="*/ 724408 h 1448816"/>
-                <a:gd name="connsiteX3" fmla="*/ 724408 w 1448816"/>
-                <a:gd name="connsiteY3" fmla="*/ 0 h 1448816"/>
-                <a:gd name="connsiteX4" fmla="*/ 1448816 w 1448816"/>
-                <a:gd name="connsiteY4" fmla="*/ 724408 h 1448816"/>
-              </a:gdLst>
-              <a:ahLst/>
-              <a:cxnLst>
-                <a:cxn ang="0">
-                  <a:pos x="connsiteX0" y="connsiteY0"/>
-                </a:cxn>
-                <a:cxn ang="0">
-                  <a:pos x="connsiteX1" y="connsiteY1"/>
-                </a:cxn>
-                <a:cxn ang="0">
-                  <a:pos x="connsiteX2" y="connsiteY2"/>
-                </a:cxn>
-                <a:cxn ang="0">
-                  <a:pos x="connsiteX3" y="connsiteY3"/>
-                </a:cxn>
-                <a:cxn ang="0">
-                  <a:pos x="connsiteX4" y="connsiteY4"/>
-                </a:cxn>
-              </a:cxnLst>
-              <a:rect l="l" t="t" r="r" b="b"/>
-              <a:pathLst>
-                <a:path w="1448816" h="1448816">
-                  <a:moveTo>
-                    <a:pt x="1448816" y="724408"/>
-                  </a:moveTo>
-                  <a:cubicBezTo>
-                    <a:pt x="1448816" y="1124488"/>
-                    <a:pt x="1124488" y="1448816"/>
-                    <a:pt x="724408" y="1448816"/>
-                  </a:cubicBezTo>
-                  <a:cubicBezTo>
-                    <a:pt x="324329" y="1448816"/>
-                    <a:pt x="0" y="1124488"/>
-                    <a:pt x="0" y="724408"/>
-                  </a:cubicBezTo>
-                  <a:cubicBezTo>
-                    <a:pt x="0" y="324329"/>
-                    <a:pt x="324329" y="0"/>
-                    <a:pt x="724408" y="0"/>
-                  </a:cubicBezTo>
-                  <a:cubicBezTo>
-                    <a:pt x="1124488" y="0"/>
-                    <a:pt x="1448816" y="324329"/>
-                    <a:pt x="1448816" y="724408"/>
-                  </a:cubicBezTo>
-                  <a:close/>
-                </a:path>
-              </a:pathLst>
-            </a:custGeom>
-            <a:solidFill>
-              <a:srgbClr val="1D2D18"/>
-            </a:solidFill>
-            <a:ln w="203200" cap="flat">
-              <a:noFill/>
-              <a:prstDash val="solid"/>
-              <a:miter/>
-            </a:ln>
-          </p:spPr>
-          <p:txBody>
-            <a:bodyPr rtlCol="0" anchor="ctr"/>
-            <a:lstStyle/>
-            <a:p>
-              <a:endParaRPr lang="en-US"/>
-            </a:p>
-          </p:txBody>
-        </p:sp>
-        <p:sp>
-          <p:nvSpPr>
-            <p:cNvPr id="30" name="Freeform: Shape 29">
-              <a:extLst>
-                <a:ext uri="{FF2B5EF4-FFF2-40B4-BE49-F238E27FC236}">
-                  <a16:creationId xmlns:a16="http://schemas.microsoft.com/office/drawing/2014/main" id="{34D88913-DB95-42E6-85F7-6F4018241250}"/>
-                </a:ext>
-              </a:extLst>
-            </p:cNvPr>
-            <p:cNvSpPr/>
-            <p:nvPr/>
-          </p:nvSpPr>
-          <p:spPr>
-            <a:xfrm>
-              <a:off x="17511855" y="9678039"/>
-              <a:ext cx="579526" cy="579526"/>
-            </a:xfrm>
-            <a:custGeom>
-              <a:avLst/>
-              <a:gdLst>
-                <a:gd name="connsiteX0" fmla="*/ 579526 w 579526"/>
-                <a:gd name="connsiteY0" fmla="*/ 289763 h 579526"/>
-                <a:gd name="connsiteX1" fmla="*/ 289763 w 579526"/>
-                <a:gd name="connsiteY1" fmla="*/ 579526 h 579526"/>
-                <a:gd name="connsiteX2" fmla="*/ 0 w 579526"/>
-                <a:gd name="connsiteY2" fmla="*/ 289763 h 579526"/>
-                <a:gd name="connsiteX3" fmla="*/ 289763 w 579526"/>
-                <a:gd name="connsiteY3" fmla="*/ 0 h 579526"/>
-                <a:gd name="connsiteX4" fmla="*/ 579526 w 579526"/>
-                <a:gd name="connsiteY4" fmla="*/ 289763 h 579526"/>
-              </a:gdLst>
-              <a:ahLst/>
-              <a:cxnLst>
-                <a:cxn ang="0">
-                  <a:pos x="connsiteX0" y="connsiteY0"/>
-                </a:cxn>
-                <a:cxn ang="0">
-                  <a:pos x="connsiteX1" y="connsiteY1"/>
-                </a:cxn>
-                <a:cxn ang="0">
-                  <a:pos x="connsiteX2" y="connsiteY2"/>
-                </a:cxn>
-                <a:cxn ang="0">
-                  <a:pos x="connsiteX3" y="connsiteY3"/>
-                </a:cxn>
-                <a:cxn ang="0">
-                  <a:pos x="connsiteX4" y="connsiteY4"/>
-                </a:cxn>
-              </a:cxnLst>
-              <a:rect l="l" t="t" r="r" b="b"/>
-              <a:pathLst>
-                <a:path w="579526" h="579526">
-                  <a:moveTo>
-                    <a:pt x="579526" y="289763"/>
-                  </a:moveTo>
-                  <a:cubicBezTo>
-                    <a:pt x="579526" y="449795"/>
-                    <a:pt x="449795" y="579526"/>
-                    <a:pt x="289763" y="579526"/>
-                  </a:cubicBezTo>
-                  <a:cubicBezTo>
-                    <a:pt x="129731" y="579526"/>
-                    <a:pt x="0" y="449795"/>
-                    <a:pt x="0" y="289763"/>
-                  </a:cubicBezTo>
-                  <a:cubicBezTo>
-                    <a:pt x="0" y="129731"/>
-                    <a:pt x="129731" y="0"/>
-                    <a:pt x="289763" y="0"/>
-                  </a:cubicBezTo>
-                  <a:cubicBezTo>
-                    <a:pt x="449795" y="0"/>
-                    <a:pt x="579526" y="129731"/>
-                    <a:pt x="579526" y="289763"/>
-                  </a:cubicBezTo>
-                  <a:close/>
-                </a:path>
-              </a:pathLst>
-            </a:custGeom>
-            <a:solidFill>
-              <a:srgbClr val="F5F8FA"/>
-            </a:solidFill>
-            <a:ln w="203200" cap="flat">
-              <a:noFill/>
-              <a:prstDash val="solid"/>
-              <a:miter/>
-            </a:ln>
-          </p:spPr>
-          <p:txBody>
-            <a:bodyPr rtlCol="0" anchor="ctr"/>
-            <a:lstStyle/>
-            <a:p>
-              <a:endParaRPr lang="en-US"/>
-            </a:p>
-          </p:txBody>
-        </p:sp>
-      </p:grpSp>
-      <p:grpSp>
-        <p:nvGrpSpPr>
-          <p:cNvPr id="40" name="Group 39">
+        </p:nvPicPr>
+        <p:blipFill>
+          <a:blip r:embed="rId6">
             <a:extLst>
-              <a:ext uri="{FF2B5EF4-FFF2-40B4-BE49-F238E27FC236}">
-                <a16:creationId xmlns:a16="http://schemas.microsoft.com/office/drawing/2014/main" id="{35866AEB-0CEB-4D05-8111-C542B79045E1}"/>
+              <a:ext uri="{96DAC541-7B7A-43D3-8B79-37D633B846F1}">
+                <asvg:svgBlip xmlns:asvg="http://schemas.microsoft.com/office/drawing/2016/SVG/main" r:embed="rId7"/>
               </a:ext>
             </a:extLst>
-          </p:cNvPr>
-          <p:cNvGrpSpPr/>
-          <p:nvPr/>
-        </p:nvGrpSpPr>
-        <p:grpSpPr>
+          </a:blip>
+          <a:stretch>
+            <a:fillRect/>
+          </a:stretch>
+        </p:blipFill>
+        <p:spPr>
           <a:xfrm>
-            <a:off x="3109536" y="4435419"/>
-            <a:ext cx="9095599" cy="6349087"/>
-            <a:chOff x="2871792" y="4764603"/>
-            <a:chExt cx="9095599" cy="6349087"/>
+            <a:off x="6400800" y="5298870"/>
+            <a:ext cx="9144000" cy="9144000"/>
           </a:xfrm>
-        </p:grpSpPr>
-        <p:grpSp>
-          <p:nvGrpSpPr>
-            <p:cNvPr id="61" name="Group 60">
-              <a:extLst>
-                <a:ext uri="{FF2B5EF4-FFF2-40B4-BE49-F238E27FC236}">
-                  <a16:creationId xmlns:a16="http://schemas.microsoft.com/office/drawing/2014/main" id="{C97A96C3-3C29-4228-B143-BB5BCD18631B}"/>
-                </a:ext>
-              </a:extLst>
-            </p:cNvPr>
-            <p:cNvGrpSpPr/>
-            <p:nvPr/>
-          </p:nvGrpSpPr>
-          <p:grpSpPr>
-            <a:xfrm rot="1775106">
-              <a:off x="6887391" y="4764603"/>
-              <a:ext cx="5080000" cy="3112499"/>
-              <a:chOff x="5655806" y="5799244"/>
-              <a:chExt cx="5080000" cy="3112499"/>
-            </a:xfrm>
-          </p:grpSpPr>
-          <p:sp>
-            <p:nvSpPr>
-              <p:cNvPr id="62" name="Freeform: Shape 61">
-                <a:extLst>
-                  <a:ext uri="{FF2B5EF4-FFF2-40B4-BE49-F238E27FC236}">
-                    <a16:creationId xmlns:a16="http://schemas.microsoft.com/office/drawing/2014/main" id="{AC0D329B-E323-4312-AE0F-B99745D5CB2C}"/>
-                  </a:ext>
-                </a:extLst>
-              </p:cNvPr>
-              <p:cNvSpPr/>
-              <p:nvPr/>
-            </p:nvSpPr>
-            <p:spPr>
-              <a:xfrm rot="18704726" flipH="1">
-                <a:off x="7077031" y="5355743"/>
-                <a:ext cx="2844800" cy="4267200"/>
-              </a:xfrm>
-              <a:custGeom>
-                <a:avLst/>
-                <a:gdLst>
-                  <a:gd name="connsiteX0" fmla="*/ 2844800 w 2844800"/>
-                  <a:gd name="connsiteY0" fmla="*/ 1625600 h 4267200"/>
-                  <a:gd name="connsiteX1" fmla="*/ 190602 w 2844800"/>
-                  <a:gd name="connsiteY1" fmla="*/ 4267200 h 4267200"/>
-                  <a:gd name="connsiteX2" fmla="*/ 0 w 2844800"/>
-                  <a:gd name="connsiteY2" fmla="*/ 1625600 h 4267200"/>
-                  <a:gd name="connsiteX3" fmla="*/ 1422400 w 2844800"/>
-                  <a:gd name="connsiteY3" fmla="*/ 0 h 4267200"/>
-                  <a:gd name="connsiteX4" fmla="*/ 2844800 w 2844800"/>
-                  <a:gd name="connsiteY4" fmla="*/ 1625600 h 4267200"/>
-                </a:gdLst>
-                <a:ahLst/>
-                <a:cxnLst>
-                  <a:cxn ang="0">
-                    <a:pos x="connsiteX0" y="connsiteY0"/>
-                  </a:cxn>
-                  <a:cxn ang="0">
-                    <a:pos x="connsiteX1" y="connsiteY1"/>
-                  </a:cxn>
-                  <a:cxn ang="0">
-                    <a:pos x="connsiteX2" y="connsiteY2"/>
-                  </a:cxn>
-                  <a:cxn ang="0">
-                    <a:pos x="connsiteX3" y="connsiteY3"/>
-                  </a:cxn>
-                  <a:cxn ang="0">
-                    <a:pos x="connsiteX4" y="connsiteY4"/>
-                  </a:cxn>
-                </a:cxnLst>
-                <a:rect l="l" t="t" r="r" b="b"/>
-                <a:pathLst>
-                  <a:path w="2844800" h="4267200">
-                    <a:moveTo>
-                      <a:pt x="2844800" y="1625600"/>
-                    </a:moveTo>
-                    <a:cubicBezTo>
-                      <a:pt x="2844800" y="2523338"/>
-                      <a:pt x="2438400" y="4178199"/>
-                      <a:pt x="190602" y="4267200"/>
-                    </a:cubicBezTo>
-                    <a:cubicBezTo>
-                      <a:pt x="723798" y="3479800"/>
-                      <a:pt x="0" y="2523338"/>
-                      <a:pt x="0" y="1625600"/>
-                    </a:cubicBezTo>
-                    <a:cubicBezTo>
-                      <a:pt x="0" y="727862"/>
-                      <a:pt x="524662" y="0"/>
-                      <a:pt x="1422400" y="0"/>
-                    </a:cubicBezTo>
-                    <a:cubicBezTo>
-                      <a:pt x="2320138" y="0"/>
-                      <a:pt x="2844800" y="727862"/>
-                      <a:pt x="2844800" y="1625600"/>
-                    </a:cubicBezTo>
-                    <a:close/>
-                  </a:path>
-                </a:pathLst>
-              </a:custGeom>
-              <a:solidFill>
-                <a:srgbClr val="D99E82"/>
-              </a:solidFill>
-              <a:ln w="203200" cap="flat">
-                <a:noFill/>
-                <a:prstDash val="solid"/>
-                <a:miter/>
-              </a:ln>
-            </p:spPr>
-            <p:txBody>
-              <a:bodyPr rtlCol="0" anchor="ctr"/>
-              <a:lstStyle/>
-              <a:p>
-                <a:endParaRPr lang="en-US"/>
-              </a:p>
-            </p:txBody>
-          </p:sp>
-          <p:sp>
-            <p:nvSpPr>
-              <p:cNvPr id="63" name="Freeform: Shape 62">
-                <a:extLst>
-                  <a:ext uri="{FF2B5EF4-FFF2-40B4-BE49-F238E27FC236}">
-                    <a16:creationId xmlns:a16="http://schemas.microsoft.com/office/drawing/2014/main" id="{93792070-96B4-47E9-8099-6B042493950B}"/>
-                  </a:ext>
-                </a:extLst>
-              </p:cNvPr>
-              <p:cNvSpPr/>
-              <p:nvPr/>
-            </p:nvSpPr>
-            <p:spPr>
-              <a:xfrm rot="18704726" flipH="1">
-                <a:off x="6775844" y="4679206"/>
-                <a:ext cx="2839923" cy="5080000"/>
-              </a:xfrm>
-              <a:custGeom>
-                <a:avLst/>
-                <a:gdLst>
-                  <a:gd name="connsiteX0" fmla="*/ 1621943 w 2839923"/>
-                  <a:gd name="connsiteY0" fmla="*/ 2759863 h 5080000"/>
-                  <a:gd name="connsiteX1" fmla="*/ 1622552 w 2839923"/>
-                  <a:gd name="connsiteY1" fmla="*/ 2743200 h 5080000"/>
-                  <a:gd name="connsiteX2" fmla="*/ 1622552 w 2839923"/>
-                  <a:gd name="connsiteY2" fmla="*/ 2032000 h 5080000"/>
-                  <a:gd name="connsiteX3" fmla="*/ 1732686 w 2839923"/>
-                  <a:gd name="connsiteY3" fmla="*/ 2032000 h 5080000"/>
-                  <a:gd name="connsiteX4" fmla="*/ 2839923 w 2839923"/>
-                  <a:gd name="connsiteY4" fmla="*/ 2540000 h 5080000"/>
-                  <a:gd name="connsiteX5" fmla="*/ 1673352 w 2839923"/>
-                  <a:gd name="connsiteY5" fmla="*/ 1625600 h 5080000"/>
-                  <a:gd name="connsiteX6" fmla="*/ 1622552 w 2839923"/>
-                  <a:gd name="connsiteY6" fmla="*/ 1625600 h 5080000"/>
-                  <a:gd name="connsiteX7" fmla="*/ 1622552 w 2839923"/>
-                  <a:gd name="connsiteY7" fmla="*/ 203200 h 5080000"/>
-                  <a:gd name="connsiteX8" fmla="*/ 1419352 w 2839923"/>
-                  <a:gd name="connsiteY8" fmla="*/ 0 h 5080000"/>
-                  <a:gd name="connsiteX9" fmla="*/ 1216152 w 2839923"/>
-                  <a:gd name="connsiteY9" fmla="*/ 203200 h 5080000"/>
-                  <a:gd name="connsiteX10" fmla="*/ 1216152 w 2839923"/>
-                  <a:gd name="connsiteY10" fmla="*/ 1625600 h 5080000"/>
-                  <a:gd name="connsiteX11" fmla="*/ 1106221 w 2839923"/>
-                  <a:gd name="connsiteY11" fmla="*/ 1625600 h 5080000"/>
-                  <a:gd name="connsiteX12" fmla="*/ 0 w 2839923"/>
-                  <a:gd name="connsiteY12" fmla="*/ 2540000 h 5080000"/>
-                  <a:gd name="connsiteX13" fmla="*/ 1046886 w 2839923"/>
-                  <a:gd name="connsiteY13" fmla="*/ 2032000 h 5080000"/>
-                  <a:gd name="connsiteX14" fmla="*/ 1216152 w 2839923"/>
-                  <a:gd name="connsiteY14" fmla="*/ 2032000 h 5080000"/>
-                  <a:gd name="connsiteX15" fmla="*/ 1216152 w 2839923"/>
-                  <a:gd name="connsiteY15" fmla="*/ 2446934 h 5080000"/>
-                  <a:gd name="connsiteX16" fmla="*/ 1209650 w 2839923"/>
-                  <a:gd name="connsiteY16" fmla="*/ 2674519 h 5080000"/>
-                  <a:gd name="connsiteX17" fmla="*/ 1122070 w 2839923"/>
-                  <a:gd name="connsiteY17" fmla="*/ 2672690 h 5080000"/>
-                  <a:gd name="connsiteX18" fmla="*/ 200152 w 2839923"/>
-                  <a:gd name="connsiteY18" fmla="*/ 3469031 h 5080000"/>
-                  <a:gd name="connsiteX19" fmla="*/ 1054811 w 2839923"/>
-                  <a:gd name="connsiteY19" fmla="*/ 3077870 h 5080000"/>
-                  <a:gd name="connsiteX20" fmla="*/ 1183640 w 2839923"/>
-                  <a:gd name="connsiteY20" fmla="*/ 3080512 h 5080000"/>
-                  <a:gd name="connsiteX21" fmla="*/ 1091590 w 2839923"/>
-                  <a:gd name="connsiteY21" fmla="*/ 3656990 h 5080000"/>
-                  <a:gd name="connsiteX22" fmla="*/ 408838 w 2839923"/>
-                  <a:gd name="connsiteY22" fmla="*/ 4103421 h 5080000"/>
-                  <a:gd name="connsiteX23" fmla="*/ 990803 w 2839923"/>
-                  <a:gd name="connsiteY23" fmla="*/ 4017467 h 5080000"/>
-                  <a:gd name="connsiteX24" fmla="*/ 187554 w 2839923"/>
-                  <a:gd name="connsiteY24" fmla="*/ 5080000 h 5080000"/>
-                  <a:gd name="connsiteX25" fmla="*/ 1284427 w 2839923"/>
-                  <a:gd name="connsiteY25" fmla="*/ 4175760 h 5080000"/>
-                  <a:gd name="connsiteX26" fmla="*/ 1361440 w 2839923"/>
-                  <a:gd name="connsiteY26" fmla="*/ 4212133 h 5080000"/>
-                  <a:gd name="connsiteX27" fmla="*/ 1716024 w 2839923"/>
-                  <a:gd name="connsiteY27" fmla="*/ 4662627 h 5080000"/>
-                  <a:gd name="connsiteX28" fmla="*/ 1453083 w 2839923"/>
-                  <a:gd name="connsiteY28" fmla="*/ 3800856 h 5080000"/>
-                  <a:gd name="connsiteX29" fmla="*/ 1595730 w 2839923"/>
-                  <a:gd name="connsiteY29" fmla="*/ 3172155 h 5080000"/>
-                  <a:gd name="connsiteX30" fmla="*/ 2453843 w 2839923"/>
-                  <a:gd name="connsiteY30" fmla="*/ 3915664 h 5080000"/>
-                  <a:gd name="connsiteX31" fmla="*/ 1621943 w 2839923"/>
-                  <a:gd name="connsiteY31" fmla="*/ 2759863 h 5080000"/>
-                </a:gdLst>
-                <a:ahLst/>
-                <a:cxnLst>
-                  <a:cxn ang="0">
-                    <a:pos x="connsiteX0" y="connsiteY0"/>
-                  </a:cxn>
-                  <a:cxn ang="0">
-                    <a:pos x="connsiteX1" y="connsiteY1"/>
-                  </a:cxn>
-                  <a:cxn ang="0">
-                    <a:pos x="connsiteX2" y="connsiteY2"/>
-                  </a:cxn>
-                  <a:cxn ang="0">
-                    <a:pos x="connsiteX3" y="connsiteY3"/>
-                  </a:cxn>
-                  <a:cxn ang="0">
-                    <a:pos x="connsiteX4" y="connsiteY4"/>
-                  </a:cxn>
-                  <a:cxn ang="0">
-                    <a:pos x="connsiteX5" y="connsiteY5"/>
-                  </a:cxn>
-                  <a:cxn ang="0">
-                    <a:pos x="connsiteX6" y="connsiteY6"/>
-                  </a:cxn>
-                  <a:cxn ang="0">
-                    <a:pos x="connsiteX7" y="connsiteY7"/>
-                  </a:cxn>
-                  <a:cxn ang="0">
-                    <a:pos x="connsiteX8" y="connsiteY8"/>
-                  </a:cxn>
-                  <a:cxn ang="0">
-                    <a:pos x="connsiteX9" y="connsiteY9"/>
-                  </a:cxn>
-                  <a:cxn ang="0">
-                    <a:pos x="connsiteX10" y="connsiteY10"/>
-                  </a:cxn>
-                  <a:cxn ang="0">
-                    <a:pos x="connsiteX11" y="connsiteY11"/>
-                  </a:cxn>
-                  <a:cxn ang="0">
-                    <a:pos x="connsiteX12" y="connsiteY12"/>
-                  </a:cxn>
-                  <a:cxn ang="0">
-                    <a:pos x="connsiteX13" y="connsiteY13"/>
-                  </a:cxn>
-                  <a:cxn ang="0">
-                    <a:pos x="connsiteX14" y="connsiteY14"/>
-                  </a:cxn>
-                  <a:cxn ang="0">
-                    <a:pos x="connsiteX15" y="connsiteY15"/>
-                  </a:cxn>
-                  <a:cxn ang="0">
-                    <a:pos x="connsiteX16" y="connsiteY16"/>
-                  </a:cxn>
-                  <a:cxn ang="0">
-                    <a:pos x="connsiteX17" y="connsiteY17"/>
-                  </a:cxn>
-                  <a:cxn ang="0">
-                    <a:pos x="connsiteX18" y="connsiteY18"/>
-                  </a:cxn>
-                  <a:cxn ang="0">
-                    <a:pos x="connsiteX19" y="connsiteY19"/>
-                  </a:cxn>
-                  <a:cxn ang="0">
-                    <a:pos x="connsiteX20" y="connsiteY20"/>
-                  </a:cxn>
-                  <a:cxn ang="0">
-                    <a:pos x="connsiteX21" y="connsiteY21"/>
-                  </a:cxn>
-                  <a:cxn ang="0">
-                    <a:pos x="connsiteX22" y="connsiteY22"/>
-                  </a:cxn>
-                  <a:cxn ang="0">
-                    <a:pos x="connsiteX23" y="connsiteY23"/>
-                  </a:cxn>
-                  <a:cxn ang="0">
-                    <a:pos x="connsiteX24" y="connsiteY24"/>
-                  </a:cxn>
-                  <a:cxn ang="0">
-                    <a:pos x="connsiteX25" y="connsiteY25"/>
-                  </a:cxn>
-                  <a:cxn ang="0">
-                    <a:pos x="connsiteX26" y="connsiteY26"/>
-                  </a:cxn>
-                  <a:cxn ang="0">
-                    <a:pos x="connsiteX27" y="connsiteY27"/>
-                  </a:cxn>
-                  <a:cxn ang="0">
-                    <a:pos x="connsiteX28" y="connsiteY28"/>
-                  </a:cxn>
-                  <a:cxn ang="0">
-                    <a:pos x="connsiteX29" y="connsiteY29"/>
-                  </a:cxn>
-                  <a:cxn ang="0">
-                    <a:pos x="connsiteX30" y="connsiteY30"/>
-                  </a:cxn>
-                  <a:cxn ang="0">
-                    <a:pos x="connsiteX31" y="connsiteY31"/>
-                  </a:cxn>
-                </a:cxnLst>
-                <a:rect l="l" t="t" r="r" b="b"/>
-                <a:pathLst>
-                  <a:path w="2839923" h="5080000">
-                    <a:moveTo>
-                      <a:pt x="1621943" y="2759863"/>
-                    </a:moveTo>
-                    <a:cubicBezTo>
-                      <a:pt x="1621943" y="2754173"/>
-                      <a:pt x="1622552" y="2749093"/>
-                      <a:pt x="1622552" y="2743200"/>
-                    </a:cubicBezTo>
-                    <a:lnTo>
-                      <a:pt x="1622552" y="2032000"/>
-                    </a:lnTo>
-                    <a:lnTo>
-                      <a:pt x="1732686" y="2032000"/>
-                    </a:lnTo>
-                    <a:cubicBezTo>
-                      <a:pt x="2328063" y="2032000"/>
-                      <a:pt x="2839923" y="2540000"/>
-                      <a:pt x="2839923" y="2540000"/>
-                    </a:cubicBezTo>
-                    <a:cubicBezTo>
-                      <a:pt x="2839923" y="2427631"/>
-                      <a:pt x="2401621" y="1625600"/>
-                      <a:pt x="1673352" y="1625600"/>
-                    </a:cubicBezTo>
-                    <a:lnTo>
-                      <a:pt x="1622552" y="1625600"/>
-                    </a:lnTo>
-                    <a:lnTo>
-                      <a:pt x="1622552" y="203200"/>
-                    </a:lnTo>
-                    <a:cubicBezTo>
-                      <a:pt x="1622552" y="91034"/>
-                      <a:pt x="1531518" y="0"/>
-                      <a:pt x="1419352" y="0"/>
-                    </a:cubicBezTo>
-                    <a:cubicBezTo>
-                      <a:pt x="1307186" y="0"/>
-                      <a:pt x="1216152" y="91034"/>
-                      <a:pt x="1216152" y="203200"/>
-                    </a:cubicBezTo>
-                    <a:lnTo>
-                      <a:pt x="1216152" y="1625600"/>
-                    </a:lnTo>
-                    <a:lnTo>
-                      <a:pt x="1106221" y="1625600"/>
-                    </a:lnTo>
-                    <a:cubicBezTo>
-                      <a:pt x="378155" y="1625600"/>
-                      <a:pt x="0" y="2427631"/>
-                      <a:pt x="0" y="2540000"/>
-                    </a:cubicBezTo>
-                    <a:cubicBezTo>
-                      <a:pt x="0" y="2540000"/>
-                      <a:pt x="451714" y="2032000"/>
-                      <a:pt x="1046886" y="2032000"/>
-                    </a:cubicBezTo>
-                    <a:lnTo>
-                      <a:pt x="1216152" y="2032000"/>
-                    </a:lnTo>
-                    <a:lnTo>
-                      <a:pt x="1216152" y="2446934"/>
-                    </a:lnTo>
-                    <a:cubicBezTo>
-                      <a:pt x="1216152" y="2526792"/>
-                      <a:pt x="1212088" y="2599131"/>
-                      <a:pt x="1209650" y="2674519"/>
-                    </a:cubicBezTo>
-                    <a:lnTo>
-                      <a:pt x="1122070" y="2672690"/>
-                    </a:lnTo>
-                    <a:cubicBezTo>
-                      <a:pt x="394005" y="2658466"/>
-                      <a:pt x="202387" y="3356864"/>
-                      <a:pt x="200152" y="3469031"/>
-                    </a:cubicBezTo>
-                    <a:cubicBezTo>
-                      <a:pt x="200152" y="3469031"/>
-                      <a:pt x="459638" y="3066085"/>
-                      <a:pt x="1054811" y="3077870"/>
-                    </a:cubicBezTo>
-                    <a:lnTo>
-                      <a:pt x="1183640" y="3080512"/>
-                    </a:lnTo>
-                    <a:cubicBezTo>
-                      <a:pt x="1162304" y="3294075"/>
-                      <a:pt x="1130808" y="3485490"/>
-                      <a:pt x="1091590" y="3656990"/>
-                    </a:cubicBezTo>
-                    <a:cubicBezTo>
-                      <a:pt x="738632" y="3734003"/>
-                      <a:pt x="427126" y="4024782"/>
-                      <a:pt x="408838" y="4103421"/>
-                    </a:cubicBezTo>
-                    <a:cubicBezTo>
-                      <a:pt x="408838" y="4103421"/>
-                      <a:pt x="788822" y="4004463"/>
-                      <a:pt x="990803" y="4017467"/>
-                    </a:cubicBezTo>
-                    <a:cubicBezTo>
-                      <a:pt x="688035" y="4896104"/>
-                      <a:pt x="187554" y="5080000"/>
-                      <a:pt x="187554" y="5080000"/>
-                    </a:cubicBezTo>
-                    <a:cubicBezTo>
-                      <a:pt x="262941" y="5080000"/>
-                      <a:pt x="884530" y="4882287"/>
-                      <a:pt x="1284427" y="4175760"/>
-                    </a:cubicBezTo>
-                    <a:lnTo>
-                      <a:pt x="1361440" y="4212133"/>
-                    </a:lnTo>
-                    <a:cubicBezTo>
-                      <a:pt x="1528064" y="4311498"/>
-                      <a:pt x="1716024" y="4662627"/>
-                      <a:pt x="1716024" y="4662627"/>
-                    </a:cubicBezTo>
-                    <a:cubicBezTo>
-                      <a:pt x="1753819" y="4582160"/>
-                      <a:pt x="1744066" y="4070502"/>
-                      <a:pt x="1453083" y="3800856"/>
-                    </a:cubicBezTo>
-                    <a:cubicBezTo>
-                      <a:pt x="1518310" y="3616960"/>
-                      <a:pt x="1567891" y="3408477"/>
-                      <a:pt x="1595730" y="3172155"/>
-                    </a:cubicBezTo>
-                    <a:cubicBezTo>
-                      <a:pt x="2146605" y="3332683"/>
-                      <a:pt x="2453843" y="3915664"/>
-                      <a:pt x="2453843" y="3915664"/>
-                    </a:cubicBezTo>
-                    <a:cubicBezTo>
-                      <a:pt x="2479853" y="3807968"/>
-                      <a:pt x="2303272" y="2950667"/>
-                      <a:pt x="1621943" y="2759863"/>
-                    </a:cubicBezTo>
-                    <a:close/>
-                  </a:path>
-                </a:pathLst>
-              </a:custGeom>
-              <a:solidFill>
-                <a:srgbClr val="C1694F"/>
-              </a:solidFill>
-              <a:ln w="203200" cap="flat">
-                <a:noFill/>
-                <a:prstDash val="solid"/>
-                <a:miter/>
-              </a:ln>
-            </p:spPr>
-            <p:txBody>
-              <a:bodyPr rtlCol="0" anchor="ctr"/>
-              <a:lstStyle/>
-              <a:p>
-                <a:endParaRPr lang="en-US"/>
-              </a:p>
-            </p:txBody>
-          </p:sp>
-        </p:grpSp>
-        <p:grpSp>
-          <p:nvGrpSpPr>
-            <p:cNvPr id="64" name="Group 63">
-              <a:extLst>
-                <a:ext uri="{FF2B5EF4-FFF2-40B4-BE49-F238E27FC236}">
-                  <a16:creationId xmlns:a16="http://schemas.microsoft.com/office/drawing/2014/main" id="{08CB0D5F-C249-43CF-AFAF-3AD1B5620340}"/>
-                </a:ext>
-              </a:extLst>
-            </p:cNvPr>
-            <p:cNvGrpSpPr/>
-            <p:nvPr/>
-          </p:nvGrpSpPr>
-          <p:grpSpPr>
-            <a:xfrm>
-              <a:off x="2871792" y="6645911"/>
-              <a:ext cx="7289596" cy="4467779"/>
-              <a:chOff x="1640207" y="7680552"/>
-              <a:chExt cx="7289596" cy="4467779"/>
-            </a:xfrm>
-          </p:grpSpPr>
-          <p:sp>
-            <p:nvSpPr>
-              <p:cNvPr id="65" name="Freeform: Shape 64">
-                <a:extLst>
-                  <a:ext uri="{FF2B5EF4-FFF2-40B4-BE49-F238E27FC236}">
-                    <a16:creationId xmlns:a16="http://schemas.microsoft.com/office/drawing/2014/main" id="{2B9C142B-D60B-44DC-9990-B98386A75449}"/>
-                  </a:ext>
-                </a:extLst>
-              </p:cNvPr>
-              <p:cNvSpPr/>
-              <p:nvPr/>
-            </p:nvSpPr>
-            <p:spPr>
-              <a:xfrm rot="18704726" flipH="1">
-                <a:off x="3678346" y="7045370"/>
-                <a:ext cx="4082490" cy="6123431"/>
-              </a:xfrm>
-              <a:custGeom>
-                <a:avLst/>
-                <a:gdLst>
-                  <a:gd name="connsiteX0" fmla="*/ 0 w 4082490"/>
-                  <a:gd name="connsiteY0" fmla="*/ 2332736 h 6123431"/>
-                  <a:gd name="connsiteX1" fmla="*/ 3808984 w 4082490"/>
-                  <a:gd name="connsiteY1" fmla="*/ 6123432 h 6123431"/>
-                  <a:gd name="connsiteX2" fmla="*/ 4082491 w 4082490"/>
-                  <a:gd name="connsiteY2" fmla="*/ 2332736 h 6123431"/>
-                  <a:gd name="connsiteX3" fmla="*/ 2041347 w 4082490"/>
-                  <a:gd name="connsiteY3" fmla="*/ 0 h 6123431"/>
-                  <a:gd name="connsiteX4" fmla="*/ 0 w 4082490"/>
-                  <a:gd name="connsiteY4" fmla="*/ 2332736 h 6123431"/>
-                </a:gdLst>
-                <a:ahLst/>
-                <a:cxnLst>
-                  <a:cxn ang="0">
-                    <a:pos x="connsiteX0" y="connsiteY0"/>
-                  </a:cxn>
-                  <a:cxn ang="0">
-                    <a:pos x="connsiteX1" y="connsiteY1"/>
-                  </a:cxn>
-                  <a:cxn ang="0">
-                    <a:pos x="connsiteX2" y="connsiteY2"/>
-                  </a:cxn>
-                  <a:cxn ang="0">
-                    <a:pos x="connsiteX3" y="connsiteY3"/>
-                  </a:cxn>
-                  <a:cxn ang="0">
-                    <a:pos x="connsiteX4" y="connsiteY4"/>
-                  </a:cxn>
-                </a:cxnLst>
-                <a:rect l="l" t="t" r="r" b="b"/>
-                <a:pathLst>
-                  <a:path w="4082490" h="6123431">
-                    <a:moveTo>
-                      <a:pt x="0" y="2332736"/>
-                    </a:moveTo>
-                    <a:cubicBezTo>
-                      <a:pt x="0" y="3620821"/>
-                      <a:pt x="583184" y="5995823"/>
-                      <a:pt x="3808984" y="6123432"/>
-                    </a:cubicBezTo>
-                    <a:cubicBezTo>
-                      <a:pt x="3043530" y="4993640"/>
-                      <a:pt x="4082491" y="3621024"/>
-                      <a:pt x="4082491" y="2332736"/>
-                    </a:cubicBezTo>
-                    <a:cubicBezTo>
-                      <a:pt x="4082491" y="1044245"/>
-                      <a:pt x="3329432" y="0"/>
-                      <a:pt x="2041347" y="0"/>
-                    </a:cubicBezTo>
-                    <a:cubicBezTo>
-                      <a:pt x="752856" y="-203"/>
-                      <a:pt x="0" y="1044245"/>
-                      <a:pt x="0" y="2332736"/>
-                    </a:cubicBezTo>
-                    <a:close/>
-                  </a:path>
-                </a:pathLst>
-              </a:custGeom>
-              <a:solidFill>
-                <a:srgbClr val="D99E82"/>
-              </a:solidFill>
-              <a:ln w="203200" cap="flat">
-                <a:noFill/>
-                <a:prstDash val="solid"/>
-                <a:miter/>
-              </a:ln>
-            </p:spPr>
-            <p:txBody>
-              <a:bodyPr rtlCol="0" anchor="ctr"/>
-              <a:lstStyle/>
-              <a:p>
-                <a:endParaRPr lang="en-US"/>
-              </a:p>
-            </p:txBody>
-          </p:sp>
-          <p:sp>
-            <p:nvSpPr>
-              <p:cNvPr id="66" name="Freeform: Shape 65">
-                <a:extLst>
-                  <a:ext uri="{FF2B5EF4-FFF2-40B4-BE49-F238E27FC236}">
-                    <a16:creationId xmlns:a16="http://schemas.microsoft.com/office/drawing/2014/main" id="{8CA8C8F7-5242-4DEF-9630-6A82C7C94D1B}"/>
-                  </a:ext>
-                </a:extLst>
-              </p:cNvPr>
-              <p:cNvSpPr/>
-              <p:nvPr/>
-            </p:nvSpPr>
-            <p:spPr>
-              <a:xfrm rot="18704726" flipH="1">
-                <a:off x="3247519" y="6073240"/>
-                <a:ext cx="4074972" cy="7289596"/>
-              </a:xfrm>
-              <a:custGeom>
-                <a:avLst/>
-                <a:gdLst>
-                  <a:gd name="connsiteX0" fmla="*/ 2561742 w 4074972"/>
-                  <a:gd name="connsiteY0" fmla="*/ 4416958 h 7289596"/>
-                  <a:gd name="connsiteX1" fmla="*/ 3787852 w 4074972"/>
-                  <a:gd name="connsiteY1" fmla="*/ 4978197 h 7289596"/>
-                  <a:gd name="connsiteX2" fmla="*/ 2464816 w 4074972"/>
-                  <a:gd name="connsiteY2" fmla="*/ 3835400 h 7289596"/>
-                  <a:gd name="connsiteX3" fmla="*/ 2303882 w 4074972"/>
-                  <a:gd name="connsiteY3" fmla="*/ 3838651 h 7289596"/>
-                  <a:gd name="connsiteX4" fmla="*/ 2298395 w 4074972"/>
-                  <a:gd name="connsiteY4" fmla="*/ 3511296 h 7289596"/>
-                  <a:gd name="connsiteX5" fmla="*/ 2298395 w 4074972"/>
-                  <a:gd name="connsiteY5" fmla="*/ 3035199 h 7289596"/>
-                  <a:gd name="connsiteX6" fmla="*/ 2572512 w 4074972"/>
-                  <a:gd name="connsiteY6" fmla="*/ 3035199 h 7289596"/>
-                  <a:gd name="connsiteX7" fmla="*/ 4074973 w 4074972"/>
-                  <a:gd name="connsiteY7" fmla="*/ 3649472 h 7289596"/>
-                  <a:gd name="connsiteX8" fmla="*/ 2487778 w 4074972"/>
-                  <a:gd name="connsiteY8" fmla="*/ 2425599 h 7289596"/>
-                  <a:gd name="connsiteX9" fmla="*/ 2298395 w 4074972"/>
-                  <a:gd name="connsiteY9" fmla="*/ 2425599 h 7289596"/>
-                  <a:gd name="connsiteX10" fmla="*/ 2298395 w 4074972"/>
-                  <a:gd name="connsiteY10" fmla="*/ 291592 h 7289596"/>
-                  <a:gd name="connsiteX11" fmla="*/ 1993595 w 4074972"/>
-                  <a:gd name="connsiteY11" fmla="*/ 0 h 7289596"/>
-                  <a:gd name="connsiteX12" fmla="*/ 1688795 w 4074972"/>
-                  <a:gd name="connsiteY12" fmla="*/ 291592 h 7289596"/>
-                  <a:gd name="connsiteX13" fmla="*/ 1688795 w 4074972"/>
-                  <a:gd name="connsiteY13" fmla="*/ 2425599 h 7289596"/>
-                  <a:gd name="connsiteX14" fmla="*/ 1673962 w 4074972"/>
-                  <a:gd name="connsiteY14" fmla="*/ 2425599 h 7289596"/>
-                  <a:gd name="connsiteX15" fmla="*/ 0 w 4074972"/>
-                  <a:gd name="connsiteY15" fmla="*/ 3649472 h 7289596"/>
-                  <a:gd name="connsiteX16" fmla="*/ 1589227 w 4074972"/>
-                  <a:gd name="connsiteY16" fmla="*/ 3035199 h 7289596"/>
-                  <a:gd name="connsiteX17" fmla="*/ 1688795 w 4074972"/>
-                  <a:gd name="connsiteY17" fmla="*/ 3035199 h 7289596"/>
-                  <a:gd name="connsiteX18" fmla="*/ 1688795 w 4074972"/>
-                  <a:gd name="connsiteY18" fmla="*/ 3936390 h 7289596"/>
-                  <a:gd name="connsiteX19" fmla="*/ 1689811 w 4074972"/>
-                  <a:gd name="connsiteY19" fmla="*/ 3979266 h 7289596"/>
-                  <a:gd name="connsiteX20" fmla="*/ 554126 w 4074972"/>
-                  <a:gd name="connsiteY20" fmla="*/ 5618684 h 7289596"/>
-                  <a:gd name="connsiteX21" fmla="*/ 1726794 w 4074972"/>
-                  <a:gd name="connsiteY21" fmla="*/ 4569562 h 7289596"/>
-                  <a:gd name="connsiteX22" fmla="*/ 1945640 w 4074972"/>
-                  <a:gd name="connsiteY22" fmla="*/ 5497373 h 7289596"/>
-                  <a:gd name="connsiteX23" fmla="*/ 1612798 w 4074972"/>
-                  <a:gd name="connsiteY23" fmla="*/ 6690563 h 7289596"/>
-                  <a:gd name="connsiteX24" fmla="*/ 2121408 w 4074972"/>
-                  <a:gd name="connsiteY24" fmla="*/ 6044184 h 7289596"/>
-                  <a:gd name="connsiteX25" fmla="*/ 2187042 w 4074972"/>
-                  <a:gd name="connsiteY25" fmla="*/ 6013298 h 7289596"/>
-                  <a:gd name="connsiteX26" fmla="*/ 3761029 w 4074972"/>
-                  <a:gd name="connsiteY26" fmla="*/ 7289597 h 7289596"/>
-                  <a:gd name="connsiteX27" fmla="*/ 2618029 w 4074972"/>
-                  <a:gd name="connsiteY27" fmla="*/ 5766613 h 7289596"/>
-                  <a:gd name="connsiteX28" fmla="*/ 3488131 w 4074972"/>
-                  <a:gd name="connsiteY28" fmla="*/ 5888127 h 7289596"/>
-                  <a:gd name="connsiteX29" fmla="*/ 2469693 w 4074972"/>
-                  <a:gd name="connsiteY29" fmla="*/ 5237887 h 7289596"/>
-                  <a:gd name="connsiteX30" fmla="*/ 2341271 w 4074972"/>
-                  <a:gd name="connsiteY30" fmla="*/ 4421023 h 7289596"/>
-                  <a:gd name="connsiteX31" fmla="*/ 2561742 w 4074972"/>
-                  <a:gd name="connsiteY31" fmla="*/ 4416958 h 7289596"/>
-                </a:gdLst>
-                <a:ahLst/>
-                <a:cxnLst>
-                  <a:cxn ang="0">
-                    <a:pos x="connsiteX0" y="connsiteY0"/>
-                  </a:cxn>
-                  <a:cxn ang="0">
-                    <a:pos x="connsiteX1" y="connsiteY1"/>
-                  </a:cxn>
-                  <a:cxn ang="0">
-                    <a:pos x="connsiteX2" y="connsiteY2"/>
-                  </a:cxn>
-                  <a:cxn ang="0">
-                    <a:pos x="connsiteX3" y="connsiteY3"/>
-                  </a:cxn>
-                  <a:cxn ang="0">
-                    <a:pos x="connsiteX4" y="connsiteY4"/>
-                  </a:cxn>
-                  <a:cxn ang="0">
-                    <a:pos x="connsiteX5" y="connsiteY5"/>
-                  </a:cxn>
-                  <a:cxn ang="0">
-                    <a:pos x="connsiteX6" y="connsiteY6"/>
-                  </a:cxn>
-                  <a:cxn ang="0">
-                    <a:pos x="connsiteX7" y="connsiteY7"/>
-                  </a:cxn>
-                  <a:cxn ang="0">
-                    <a:pos x="connsiteX8" y="connsiteY8"/>
-                  </a:cxn>
-                  <a:cxn ang="0">
-                    <a:pos x="connsiteX9" y="connsiteY9"/>
-                  </a:cxn>
-                  <a:cxn ang="0">
-                    <a:pos x="connsiteX10" y="connsiteY10"/>
-                  </a:cxn>
-                  <a:cxn ang="0">
-                    <a:pos x="connsiteX11" y="connsiteY11"/>
-                  </a:cxn>
-                  <a:cxn ang="0">
-                    <a:pos x="connsiteX12" y="connsiteY12"/>
-                  </a:cxn>
-                  <a:cxn ang="0">
-                    <a:pos x="connsiteX13" y="connsiteY13"/>
-                  </a:cxn>
-                  <a:cxn ang="0">
-                    <a:pos x="connsiteX14" y="connsiteY14"/>
-                  </a:cxn>
-                  <a:cxn ang="0">
-                    <a:pos x="connsiteX15" y="connsiteY15"/>
-                  </a:cxn>
-                  <a:cxn ang="0">
-                    <a:pos x="connsiteX16" y="connsiteY16"/>
-                  </a:cxn>
-                  <a:cxn ang="0">
-                    <a:pos x="connsiteX17" y="connsiteY17"/>
-                  </a:cxn>
-                  <a:cxn ang="0">
-                    <a:pos x="connsiteX18" y="connsiteY18"/>
-                  </a:cxn>
-                  <a:cxn ang="0">
-                    <a:pos x="connsiteX19" y="connsiteY19"/>
-                  </a:cxn>
-                  <a:cxn ang="0">
-                    <a:pos x="connsiteX20" y="connsiteY20"/>
-                  </a:cxn>
-                  <a:cxn ang="0">
-                    <a:pos x="connsiteX21" y="connsiteY21"/>
-                  </a:cxn>
-                  <a:cxn ang="0">
-                    <a:pos x="connsiteX22" y="connsiteY22"/>
-                  </a:cxn>
-                  <a:cxn ang="0">
-                    <a:pos x="connsiteX23" y="connsiteY23"/>
-                  </a:cxn>
-                  <a:cxn ang="0">
-                    <a:pos x="connsiteX24" y="connsiteY24"/>
-                  </a:cxn>
-                  <a:cxn ang="0">
-                    <a:pos x="connsiteX25" y="connsiteY25"/>
-                  </a:cxn>
-                  <a:cxn ang="0">
-                    <a:pos x="connsiteX26" y="connsiteY26"/>
-                  </a:cxn>
-                  <a:cxn ang="0">
-                    <a:pos x="connsiteX27" y="connsiteY27"/>
-                  </a:cxn>
-                  <a:cxn ang="0">
-                    <a:pos x="connsiteX28" y="connsiteY28"/>
-                  </a:cxn>
-                  <a:cxn ang="0">
-                    <a:pos x="connsiteX29" y="connsiteY29"/>
-                  </a:cxn>
-                  <a:cxn ang="0">
-                    <a:pos x="connsiteX30" y="connsiteY30"/>
-                  </a:cxn>
-                  <a:cxn ang="0">
-                    <a:pos x="connsiteX31" y="connsiteY31"/>
-                  </a:cxn>
-                </a:cxnLst>
-                <a:rect l="l" t="t" r="r" b="b"/>
-                <a:pathLst>
-                  <a:path w="4074972" h="7289596">
-                    <a:moveTo>
-                      <a:pt x="2561742" y="4416958"/>
-                    </a:moveTo>
-                    <a:cubicBezTo>
-                      <a:pt x="3415386" y="4399890"/>
-                      <a:pt x="3787852" y="4978197"/>
-                      <a:pt x="3787852" y="4978197"/>
-                    </a:cubicBezTo>
-                    <a:cubicBezTo>
-                      <a:pt x="3784397" y="4817059"/>
-                      <a:pt x="3510077" y="3814877"/>
-                      <a:pt x="2464816" y="3835400"/>
-                    </a:cubicBezTo>
-                    <a:lnTo>
-                      <a:pt x="2303882" y="3838651"/>
-                    </a:lnTo>
-                    <a:cubicBezTo>
-                      <a:pt x="2300630" y="3732378"/>
-                      <a:pt x="2298395" y="3623666"/>
-                      <a:pt x="2298395" y="3511296"/>
-                    </a:cubicBezTo>
-                    <a:lnTo>
-                      <a:pt x="2298395" y="3035199"/>
-                    </a:lnTo>
-                    <a:lnTo>
-                      <a:pt x="2572512" y="3035199"/>
-                    </a:lnTo>
-                    <a:cubicBezTo>
-                      <a:pt x="3426968" y="3035199"/>
-                      <a:pt x="4074973" y="3649472"/>
-                      <a:pt x="4074973" y="3649472"/>
-                    </a:cubicBezTo>
-                    <a:cubicBezTo>
-                      <a:pt x="4074973" y="3488334"/>
-                      <a:pt x="3532835" y="2425599"/>
-                      <a:pt x="2487778" y="2425599"/>
-                    </a:cubicBezTo>
-                    <a:lnTo>
-                      <a:pt x="2298395" y="2425599"/>
-                    </a:lnTo>
-                    <a:lnTo>
-                      <a:pt x="2298395" y="291592"/>
-                    </a:lnTo>
-                    <a:cubicBezTo>
-                      <a:pt x="2298395" y="130658"/>
-                      <a:pt x="2154530" y="0"/>
-                      <a:pt x="1993595" y="0"/>
-                    </a:cubicBezTo>
-                    <a:cubicBezTo>
-                      <a:pt x="1832458" y="0"/>
-                      <a:pt x="1688795" y="130658"/>
-                      <a:pt x="1688795" y="291592"/>
-                    </a:cubicBezTo>
-                    <a:lnTo>
-                      <a:pt x="1688795" y="2425599"/>
-                    </a:lnTo>
-                    <a:lnTo>
-                      <a:pt x="1673962" y="2425599"/>
-                    </a:lnTo>
-                    <a:cubicBezTo>
-                      <a:pt x="628701" y="2425599"/>
-                      <a:pt x="0" y="3488131"/>
-                      <a:pt x="0" y="3649472"/>
-                    </a:cubicBezTo>
-                    <a:cubicBezTo>
-                      <a:pt x="0" y="3649472"/>
-                      <a:pt x="734771" y="3035199"/>
-                      <a:pt x="1589227" y="3035199"/>
-                    </a:cubicBezTo>
-                    <a:lnTo>
-                      <a:pt x="1688795" y="3035199"/>
-                    </a:lnTo>
-                    <a:lnTo>
-                      <a:pt x="1688795" y="3936390"/>
-                    </a:lnTo>
-                    <a:cubicBezTo>
-                      <a:pt x="1688795" y="3951021"/>
-                      <a:pt x="1689608" y="3964839"/>
-                      <a:pt x="1689811" y="3979266"/>
-                    </a:cubicBezTo>
-                    <a:cubicBezTo>
-                      <a:pt x="760577" y="4284472"/>
-                      <a:pt x="517347" y="5467706"/>
-                      <a:pt x="554126" y="5618684"/>
-                    </a:cubicBezTo>
-                    <a:cubicBezTo>
-                      <a:pt x="554126" y="5618684"/>
-                      <a:pt x="973125" y="4822749"/>
-                      <a:pt x="1726794" y="4569562"/>
-                    </a:cubicBezTo>
-                    <a:cubicBezTo>
-                      <a:pt x="1769262" y="4919879"/>
-                      <a:pt x="1845869" y="5227727"/>
-                      <a:pt x="1945640" y="5497373"/>
-                    </a:cubicBezTo>
-                    <a:cubicBezTo>
-                      <a:pt x="1571142" y="5893207"/>
-                      <a:pt x="1560373" y="6578803"/>
-                      <a:pt x="1612798" y="6690563"/>
-                    </a:cubicBezTo>
-                    <a:cubicBezTo>
-                      <a:pt x="1612798" y="6690563"/>
-                      <a:pt x="1881835" y="6186831"/>
-                      <a:pt x="2121408" y="6044184"/>
-                    </a:cubicBezTo>
-                    <a:lnTo>
-                      <a:pt x="2187042" y="6013298"/>
-                    </a:lnTo>
-                    <a:cubicBezTo>
-                      <a:pt x="2765349" y="7012026"/>
-                      <a:pt x="3653536" y="7289597"/>
-                      <a:pt x="3761029" y="7289597"/>
-                    </a:cubicBezTo>
-                    <a:cubicBezTo>
-                      <a:pt x="3761029" y="7289597"/>
-                      <a:pt x="3048406" y="7027875"/>
-                      <a:pt x="2618029" y="5766613"/>
-                    </a:cubicBezTo>
-                    <a:cubicBezTo>
-                      <a:pt x="2896413" y="5733085"/>
-                      <a:pt x="3488131" y="5888127"/>
-                      <a:pt x="3488131" y="5888127"/>
-                    </a:cubicBezTo>
-                    <a:cubicBezTo>
-                      <a:pt x="3461512" y="5772912"/>
-                      <a:pt x="2992323" y="5334813"/>
-                      <a:pt x="2469693" y="5237887"/>
-                    </a:cubicBezTo>
-                    <a:cubicBezTo>
-                      <a:pt x="2415235" y="4994656"/>
-                      <a:pt x="2371344" y="4723181"/>
-                      <a:pt x="2341271" y="4421023"/>
-                    </a:cubicBezTo>
-                    <a:lnTo>
-                      <a:pt x="2561742" y="4416958"/>
-                    </a:lnTo>
-                    <a:close/>
-                  </a:path>
-                </a:pathLst>
-              </a:custGeom>
-              <a:solidFill>
-                <a:srgbClr val="C1694F"/>
-              </a:solidFill>
-              <a:ln w="203200" cap="flat">
-                <a:noFill/>
-                <a:prstDash val="solid"/>
-                <a:miter/>
-              </a:ln>
-            </p:spPr>
-            <p:txBody>
-              <a:bodyPr rtlCol="0" anchor="ctr"/>
-              <a:lstStyle/>
-              <a:p>
-                <a:endParaRPr lang="en-US"/>
-              </a:p>
-            </p:txBody>
-          </p:sp>
-        </p:grpSp>
-      </p:grpSp>
+          <a:prstGeom prst="rect">
+            <a:avLst/>
+          </a:prstGeom>
+        </p:spPr>
+      </p:pic>
     </p:spTree>
     <p:extLst>
       <p:ext uri="{BB962C8B-B14F-4D97-AF65-F5344CB8AC3E}">
